--- a/3.基本数据类型/3.基本数据类型.pptx
+++ b/3.基本数据类型/3.基本数据类型.pptx
@@ -5,7 +5,7 @@
     <p:sldMasterId id="2147483648" r:id="rId1"/>
   </p:sldMasterIdLst>
   <p:notesMasterIdLst>
-    <p:notesMasterId r:id="rId47"/>
+    <p:notesMasterId r:id="rId45"/>
   </p:notesMasterIdLst>
   <p:sldIdLst>
     <p:sldId id="256" r:id="rId2"/>
@@ -42,17 +42,15 @@
     <p:sldId id="383" r:id="rId33"/>
     <p:sldId id="384" r:id="rId34"/>
     <p:sldId id="385" r:id="rId35"/>
-    <p:sldId id="386" r:id="rId36"/>
-    <p:sldId id="387" r:id="rId37"/>
-    <p:sldId id="388" r:id="rId38"/>
-    <p:sldId id="389" r:id="rId39"/>
-    <p:sldId id="390" r:id="rId40"/>
-    <p:sldId id="391" r:id="rId41"/>
-    <p:sldId id="392" r:id="rId42"/>
-    <p:sldId id="393" r:id="rId43"/>
-    <p:sldId id="394" r:id="rId44"/>
-    <p:sldId id="395" r:id="rId45"/>
-    <p:sldId id="396" r:id="rId46"/>
+    <p:sldId id="387" r:id="rId36"/>
+    <p:sldId id="388" r:id="rId37"/>
+    <p:sldId id="389" r:id="rId38"/>
+    <p:sldId id="390" r:id="rId39"/>
+    <p:sldId id="391" r:id="rId40"/>
+    <p:sldId id="392" r:id="rId41"/>
+    <p:sldId id="393" r:id="rId42"/>
+    <p:sldId id="394" r:id="rId43"/>
+    <p:sldId id="396" r:id="rId44"/>
   </p:sldIdLst>
   <p:sldSz cx="9144000" cy="5143500" type="screen16x9"/>
   <p:notesSz cx="9144000" cy="5143500"/>
@@ -252,7 +250,7 @@
           <a:p>
             <a:fld id="{5DFB9D2E-974D-8045-B328-192FF5B07E96}" type="datetimeFigureOut">
               <a:rPr kumimoji="1" lang="zh-CN" altLang="en-US" smtClean="0"/>
-              <a:t>2020/9/29</a:t>
+              <a:t>2020/10/5</a:t>
             </a:fld>
             <a:endParaRPr kumimoji="1" lang="zh-CN" altLang="en-US"/>
           </a:p>
@@ -1080,153 +1078,6 @@
           <a:bodyPr/>
           <a:lstStyle/>
           <a:p>
-            <a:r>
-              <a:rPr kumimoji="1" lang="en-US" altLang="zh-CN" dirty="0"/>
-              <a:t>1.</a:t>
-            </a:r>
-            <a:r>
-              <a:rPr lang="zh-CN" altLang="en-US" sz="1200" b="1" dirty="0">
-                <a:solidFill>
-                  <a:srgbClr val="006FC0"/>
-                </a:solidFill>
-                <a:latin typeface="Heiti SC"/>
-                <a:cs typeface="Heiti SC"/>
-              </a:rPr>
-              <a:t>由</a:t>
-            </a:r>
-            <a:r>
-              <a:rPr lang="en-US" altLang="zh-CN" sz="1200" b="1" spc="140" dirty="0">
-                <a:solidFill>
-                  <a:srgbClr val="006FC0"/>
-                </a:solidFill>
-                <a:latin typeface="Arial"/>
-                <a:cs typeface="Arial"/>
-              </a:rPr>
-              <a:t>0</a:t>
-            </a:r>
-            <a:r>
-              <a:rPr lang="zh-CN" altLang="en-US" sz="1200" b="1" dirty="0">
-                <a:solidFill>
-                  <a:srgbClr val="006FC0"/>
-                </a:solidFill>
-                <a:latin typeface="Heiti SC"/>
-                <a:cs typeface="Heiti SC"/>
-              </a:rPr>
-              <a:t>个或多个字符组成的有序字符序列</a:t>
-            </a:r>
-            <a:endParaRPr lang="en-US" altLang="zh-CN" sz="1200" b="1" dirty="0">
-              <a:solidFill>
-                <a:srgbClr val="006FC0"/>
-              </a:solidFill>
-              <a:latin typeface="Heiti SC"/>
-              <a:cs typeface="Heiti SC"/>
-            </a:endParaRPr>
-          </a:p>
-          <a:p>
-            <a:r>
-              <a:rPr kumimoji="1" lang="en-US" altLang="zh-CN" sz="1200" b="1" dirty="0">
-                <a:solidFill>
-                  <a:srgbClr val="006FC0"/>
-                </a:solidFill>
-                <a:latin typeface="Heiti SC"/>
-              </a:rPr>
-              <a:t>2.</a:t>
-            </a:r>
-            <a:r>
-              <a:rPr kumimoji="1" lang="zh-CN" altLang="en-US" sz="1200" b="1" dirty="0">
-                <a:solidFill>
-                  <a:srgbClr val="006FC0"/>
-                </a:solidFill>
-                <a:latin typeface="Heiti SC"/>
-              </a:rPr>
-              <a:t>第一类：由单引号或双引号表示单行字符串；第二类：由三引号表示的多行字符串；</a:t>
-            </a:r>
-            <a:endParaRPr kumimoji="1" lang="en-US" altLang="zh-CN" sz="1200" b="1" dirty="0">
-              <a:solidFill>
-                <a:srgbClr val="006FC0"/>
-              </a:solidFill>
-              <a:latin typeface="Heiti SC"/>
-            </a:endParaRPr>
-          </a:p>
-          <a:p>
-            <a:r>
-              <a:rPr kumimoji="1" lang="en-US" altLang="zh-CN" sz="1200" b="1" dirty="0">
-                <a:solidFill>
-                  <a:srgbClr val="006FC0"/>
-                </a:solidFill>
-                <a:latin typeface="Heiti SC"/>
-              </a:rPr>
-              <a:t>3.</a:t>
-            </a:r>
-            <a:r>
-              <a:rPr kumimoji="1" lang="zh-CN" altLang="en-US" sz="1200" b="1" dirty="0">
-                <a:solidFill>
-                  <a:srgbClr val="006FC0"/>
-                </a:solidFill>
-                <a:latin typeface="Heiti SC"/>
-              </a:rPr>
-              <a:t>没有赋给变量的三引号字符串就是注释  </a:t>
-            </a:r>
-            <a:endParaRPr kumimoji="1" lang="en-US" altLang="zh-CN" sz="1200" b="1" dirty="0">
-              <a:solidFill>
-                <a:srgbClr val="006FC0"/>
-              </a:solidFill>
-              <a:latin typeface="Heiti SC"/>
-            </a:endParaRPr>
-          </a:p>
-          <a:p>
-            <a:r>
-              <a:rPr kumimoji="1" lang="en-US" altLang="zh-CN" sz="1200" b="1" dirty="0">
-                <a:solidFill>
-                  <a:srgbClr val="006FC0"/>
-                </a:solidFill>
-                <a:latin typeface="Heiti SC"/>
-              </a:rPr>
-              <a:t>4.</a:t>
-            </a:r>
-            <a:r>
-              <a:rPr kumimoji="1" lang="zh-CN" altLang="en-US" sz="1200" b="1" dirty="0">
-                <a:solidFill>
-                  <a:srgbClr val="006FC0"/>
-                </a:solidFill>
-                <a:latin typeface="Heiti SC"/>
-              </a:rPr>
-              <a:t>为了程序员更方便表达</a:t>
-            </a:r>
-            <a:endParaRPr kumimoji="1" lang="en-US" altLang="zh-CN" sz="1200" b="1" dirty="0">
-              <a:solidFill>
-                <a:srgbClr val="006FC0"/>
-              </a:solidFill>
-              <a:latin typeface="Heiti SC"/>
-            </a:endParaRPr>
-          </a:p>
-          <a:p>
-            <a:r>
-              <a:rPr kumimoji="1" lang="en-US" altLang="zh-CN" dirty="0"/>
-              <a:t>5.</a:t>
-            </a:r>
-            <a:r>
-              <a:rPr kumimoji="1" lang="zh-CN" altLang="en-US" dirty="0"/>
-              <a:t>正向序号，反向序号</a:t>
-            </a:r>
-            <a:endParaRPr kumimoji="1" lang="en-US" altLang="zh-CN" dirty="0"/>
-          </a:p>
-          <a:p>
-            <a:r>
-              <a:rPr kumimoji="1" lang="en-US" altLang="zh-CN" dirty="0"/>
-              <a:t>6.</a:t>
-            </a:r>
-            <a:r>
-              <a:rPr kumimoji="1" lang="zh-CN" altLang="en-US" dirty="0"/>
-              <a:t>开始，结束，是左闭右开区间；步长</a:t>
-            </a:r>
-            <a:endParaRPr kumimoji="1" lang="en-US" altLang="zh-CN" dirty="0"/>
-          </a:p>
-          <a:p>
-            <a:r>
-              <a:rPr kumimoji="1" lang="en-US" altLang="zh-CN" dirty="0"/>
-              <a:t>7.</a:t>
-            </a:r>
             <a:endParaRPr kumimoji="1" lang="zh-CN" altLang="en-US" dirty="0"/>
           </a:p>
         </p:txBody>
@@ -1248,7 +1099,7 @@
           <a:p>
             <a:fld id="{DE96BC0C-342F-3F43-BB67-DA15D79BB058}" type="slidenum">
               <a:rPr kumimoji="1" lang="zh-CN" altLang="en-US" smtClean="0"/>
-              <a:t>17</a:t>
+              <a:t>16</a:t>
             </a:fld>
             <a:endParaRPr kumimoji="1" lang="zh-CN" altLang="en-US"/>
           </a:p>
@@ -1257,7 +1108,7 @@
     </p:spTree>
     <p:extLst>
       <p:ext uri="{BB962C8B-B14F-4D97-AF65-F5344CB8AC3E}">
-        <p14:creationId xmlns:p14="http://schemas.microsoft.com/office/powerpoint/2010/main" val="3315164138"/>
+        <p14:creationId xmlns:p14="http://schemas.microsoft.com/office/powerpoint/2010/main" val="1664598691"/>
       </p:ext>
     </p:extLst>
   </p:cSld>
@@ -1311,6 +1162,303 @@
           <a:bodyPr/>
           <a:lstStyle/>
           <a:p>
+            <a:r>
+              <a:rPr kumimoji="1" lang="en-US" altLang="zh-CN" dirty="0"/>
+              <a:t>1.</a:t>
+            </a:r>
+            <a:r>
+              <a:rPr lang="zh-CN" altLang="en-US" sz="1200" b="1" dirty="0">
+                <a:solidFill>
+                  <a:srgbClr val="006FC0"/>
+                </a:solidFill>
+                <a:latin typeface="Heiti SC"/>
+                <a:cs typeface="Heiti SC"/>
+              </a:rPr>
+              <a:t>由</a:t>
+            </a:r>
+            <a:r>
+              <a:rPr lang="en-US" altLang="zh-CN" sz="1200" b="1" spc="140" dirty="0">
+                <a:solidFill>
+                  <a:srgbClr val="006FC0"/>
+                </a:solidFill>
+                <a:latin typeface="Arial"/>
+                <a:cs typeface="Arial"/>
+              </a:rPr>
+              <a:t>0</a:t>
+            </a:r>
+            <a:r>
+              <a:rPr lang="zh-CN" altLang="en-US" sz="1200" b="1" dirty="0">
+                <a:solidFill>
+                  <a:srgbClr val="006FC0"/>
+                </a:solidFill>
+                <a:latin typeface="Heiti SC"/>
+                <a:cs typeface="Heiti SC"/>
+              </a:rPr>
+              <a:t>个或多个字符组成的有序字符序列</a:t>
+            </a:r>
+            <a:endParaRPr lang="en-US" altLang="zh-CN" sz="1200" b="1" dirty="0">
+              <a:solidFill>
+                <a:srgbClr val="006FC0"/>
+              </a:solidFill>
+              <a:latin typeface="Heiti SC"/>
+              <a:cs typeface="Heiti SC"/>
+            </a:endParaRPr>
+          </a:p>
+          <a:p>
+            <a:r>
+              <a:rPr kumimoji="1" lang="en-US" altLang="zh-CN" sz="1200" b="1" dirty="0">
+                <a:solidFill>
+                  <a:srgbClr val="006FC0"/>
+                </a:solidFill>
+                <a:latin typeface="Heiti SC"/>
+              </a:rPr>
+              <a:t>2.</a:t>
+            </a:r>
+            <a:r>
+              <a:rPr kumimoji="1" lang="zh-CN" altLang="en-US" sz="1200" b="1" dirty="0">
+                <a:solidFill>
+                  <a:srgbClr val="006FC0"/>
+                </a:solidFill>
+                <a:latin typeface="Heiti SC"/>
+              </a:rPr>
+              <a:t>第一类：由单引号或双引号表示单行字符串；第二类：由三引号表示的多行字符串；</a:t>
+            </a:r>
+            <a:endParaRPr kumimoji="1" lang="en-US" altLang="zh-CN" sz="1200" b="1" dirty="0">
+              <a:solidFill>
+                <a:srgbClr val="006FC0"/>
+              </a:solidFill>
+              <a:latin typeface="Heiti SC"/>
+            </a:endParaRPr>
+          </a:p>
+          <a:p>
+            <a:r>
+              <a:rPr kumimoji="1" lang="en-US" altLang="zh-CN" sz="1200" b="1" dirty="0">
+                <a:solidFill>
+                  <a:srgbClr val="006FC0"/>
+                </a:solidFill>
+                <a:latin typeface="Heiti SC"/>
+              </a:rPr>
+              <a:t>3.</a:t>
+            </a:r>
+            <a:r>
+              <a:rPr kumimoji="1" lang="zh-CN" altLang="en-US" sz="1200" b="1" dirty="0">
+                <a:solidFill>
+                  <a:srgbClr val="006FC0"/>
+                </a:solidFill>
+                <a:latin typeface="Heiti SC"/>
+              </a:rPr>
+              <a:t>没有赋给变量的三引号字符串就是注释  </a:t>
+            </a:r>
+            <a:endParaRPr kumimoji="1" lang="en-US" altLang="zh-CN" sz="1200" b="1" dirty="0">
+              <a:solidFill>
+                <a:srgbClr val="006FC0"/>
+              </a:solidFill>
+              <a:latin typeface="Heiti SC"/>
+            </a:endParaRPr>
+          </a:p>
+          <a:p>
+            <a:pPr marL="0" algn="l" defTabSz="914400" rtl="0" eaLnBrk="1" latinLnBrk="0" hangingPunct="1"/>
+            <a:r>
+              <a:rPr kumimoji="1" lang="en-US" altLang="zh-CN" sz="1200" b="1" kern="1200" dirty="0">
+                <a:solidFill>
+                  <a:srgbClr val="006FC0"/>
+                </a:solidFill>
+                <a:latin typeface="Heiti SC"/>
+                <a:ea typeface="+mn-ea"/>
+                <a:cs typeface="+mn-cs"/>
+              </a:rPr>
+              <a:t>4.</a:t>
+            </a:r>
+            <a:r>
+              <a:rPr kumimoji="1" lang="zh-CN" altLang="en-US" sz="1200" b="1" kern="1200" dirty="0">
+                <a:solidFill>
+                  <a:srgbClr val="006FC0"/>
+                </a:solidFill>
+                <a:latin typeface="Heiti SC"/>
+                <a:ea typeface="+mn-ea"/>
+                <a:cs typeface="+mn-cs"/>
+              </a:rPr>
+              <a:t>为了程序员更方便表达</a:t>
+            </a:r>
+            <a:endParaRPr kumimoji="1" lang="en-US" altLang="zh-CN" sz="1200" b="1" kern="1200" dirty="0">
+              <a:solidFill>
+                <a:srgbClr val="006FC0"/>
+              </a:solidFill>
+              <a:latin typeface="Heiti SC"/>
+              <a:ea typeface="+mn-ea"/>
+              <a:cs typeface="+mn-cs"/>
+            </a:endParaRPr>
+          </a:p>
+          <a:p>
+            <a:pPr marL="0" algn="l" defTabSz="914400" rtl="0" eaLnBrk="1" latinLnBrk="0" hangingPunct="1"/>
+            <a:r>
+              <a:rPr kumimoji="1" lang="en-US" altLang="zh-CN" sz="1200" b="1" kern="1200" dirty="0">
+                <a:solidFill>
+                  <a:srgbClr val="006FC0"/>
+                </a:solidFill>
+                <a:latin typeface="Heiti SC"/>
+                <a:ea typeface="+mn-ea"/>
+                <a:cs typeface="+mn-cs"/>
+              </a:rPr>
+              <a:t>5.</a:t>
+            </a:r>
+            <a:r>
+              <a:rPr kumimoji="1" lang="zh-CN" altLang="en-US" sz="1200" b="1" kern="1200" dirty="0">
+                <a:solidFill>
+                  <a:srgbClr val="006FC0"/>
+                </a:solidFill>
+                <a:latin typeface="Heiti SC"/>
+                <a:ea typeface="+mn-ea"/>
+                <a:cs typeface="+mn-cs"/>
+              </a:rPr>
+              <a:t>正向序号，反向序号</a:t>
+            </a:r>
+            <a:endParaRPr kumimoji="1" lang="en-US" altLang="zh-CN" sz="1200" b="1" kern="1200" dirty="0">
+              <a:solidFill>
+                <a:srgbClr val="006FC0"/>
+              </a:solidFill>
+              <a:latin typeface="Heiti SC"/>
+              <a:ea typeface="+mn-ea"/>
+              <a:cs typeface="+mn-cs"/>
+            </a:endParaRPr>
+          </a:p>
+          <a:p>
+            <a:pPr marL="0" algn="l" defTabSz="914400" rtl="0" eaLnBrk="1" latinLnBrk="0" hangingPunct="1"/>
+            <a:r>
+              <a:rPr kumimoji="1" lang="en-US" altLang="zh-CN" sz="1200" b="1" kern="1200" dirty="0">
+                <a:solidFill>
+                  <a:srgbClr val="006FC0"/>
+                </a:solidFill>
+                <a:latin typeface="Heiti SC"/>
+                <a:ea typeface="+mn-ea"/>
+                <a:cs typeface="+mn-cs"/>
+              </a:rPr>
+              <a:t>6.</a:t>
+            </a:r>
+            <a:r>
+              <a:rPr kumimoji="1" lang="zh-CN" altLang="en-US" sz="1200" b="1" kern="1200" dirty="0">
+                <a:solidFill>
+                  <a:srgbClr val="006FC0"/>
+                </a:solidFill>
+                <a:latin typeface="Heiti SC"/>
+                <a:ea typeface="+mn-ea"/>
+                <a:cs typeface="+mn-cs"/>
+              </a:rPr>
+              <a:t>开始，结束，是左闭右开区间；步长</a:t>
+            </a:r>
+            <a:endParaRPr kumimoji="1" lang="en-US" altLang="zh-CN" sz="1200" b="1" kern="1200" dirty="0">
+              <a:solidFill>
+                <a:srgbClr val="006FC0"/>
+              </a:solidFill>
+              <a:latin typeface="Heiti SC"/>
+              <a:ea typeface="+mn-ea"/>
+              <a:cs typeface="+mn-cs"/>
+            </a:endParaRPr>
+          </a:p>
+          <a:p>
+            <a:pPr marL="0" algn="l" defTabSz="914400" rtl="0" eaLnBrk="1" latinLnBrk="0" hangingPunct="1"/>
+            <a:r>
+              <a:rPr kumimoji="1" lang="en-US" altLang="zh-CN" sz="1200" b="1" kern="1200" dirty="0">
+                <a:solidFill>
+                  <a:srgbClr val="006FC0"/>
+                </a:solidFill>
+                <a:latin typeface="Heiti SC"/>
+                <a:ea typeface="+mn-ea"/>
+                <a:cs typeface="+mn-cs"/>
+              </a:rPr>
+              <a:t>7.</a:t>
+            </a:r>
+            <a:endParaRPr kumimoji="1" lang="zh-CN" altLang="en-US" sz="1200" b="1" kern="1200" dirty="0">
+              <a:solidFill>
+                <a:srgbClr val="006FC0"/>
+              </a:solidFill>
+              <a:latin typeface="Heiti SC"/>
+              <a:ea typeface="+mn-ea"/>
+              <a:cs typeface="+mn-cs"/>
+            </a:endParaRPr>
+          </a:p>
+        </p:txBody>
+      </p:sp>
+      <p:sp>
+        <p:nvSpPr>
+          <p:cNvPr id="4" name="灯片编号占位符 3"/>
+          <p:cNvSpPr>
+            <a:spLocks noGrp="1"/>
+          </p:cNvSpPr>
+          <p:nvPr>
+            <p:ph type="sldNum" sz="quarter" idx="5"/>
+          </p:nvPr>
+        </p:nvSpPr>
+        <p:spPr/>
+        <p:txBody>
+          <a:bodyPr/>
+          <a:lstStyle/>
+          <a:p>
+            <a:fld id="{DE96BC0C-342F-3F43-BB67-DA15D79BB058}" type="slidenum">
+              <a:rPr kumimoji="1" lang="zh-CN" altLang="en-US" smtClean="0"/>
+              <a:t>17</a:t>
+            </a:fld>
+            <a:endParaRPr kumimoji="1" lang="zh-CN" altLang="en-US"/>
+          </a:p>
+        </p:txBody>
+      </p:sp>
+    </p:spTree>
+    <p:extLst>
+      <p:ext uri="{BB962C8B-B14F-4D97-AF65-F5344CB8AC3E}">
+        <p14:creationId xmlns:p14="http://schemas.microsoft.com/office/powerpoint/2010/main" val="3315164138"/>
+      </p:ext>
+    </p:extLst>
+  </p:cSld>
+  <p:clrMapOvr>
+    <a:masterClrMapping/>
+  </p:clrMapOvr>
+</p:notes>
+</file>
+
+<file path=ppt/notesSlides/notesSlide6.xml><?xml version="1.0" encoding="utf-8"?>
+<p:notes xmlns:a="http://schemas.openxmlformats.org/drawingml/2006/main" xmlns:r="http://schemas.openxmlformats.org/officeDocument/2006/relationships" xmlns:p="http://schemas.openxmlformats.org/presentationml/2006/main">
+  <p:cSld>
+    <p:spTree>
+      <p:nvGrpSpPr>
+        <p:cNvPr id="1" name=""/>
+        <p:cNvGrpSpPr/>
+        <p:nvPr/>
+      </p:nvGrpSpPr>
+      <p:grpSpPr>
+        <a:xfrm>
+          <a:off x="0" y="0"/>
+          <a:ext cx="0" cy="0"/>
+          <a:chOff x="0" y="0"/>
+          <a:chExt cx="0" cy="0"/>
+        </a:xfrm>
+      </p:grpSpPr>
+      <p:sp>
+        <p:nvSpPr>
+          <p:cNvPr id="2" name="幻灯片图像占位符 1"/>
+          <p:cNvSpPr>
+            <a:spLocks noGrp="1" noRot="1" noChangeAspect="1"/>
+          </p:cNvSpPr>
+          <p:nvPr>
+            <p:ph type="sldImg"/>
+          </p:nvPr>
+        </p:nvSpPr>
+        <p:spPr/>
+      </p:sp>
+      <p:sp>
+        <p:nvSpPr>
+          <p:cNvPr id="3" name="备注占位符 2"/>
+          <p:cNvSpPr>
+            <a:spLocks noGrp="1"/>
+          </p:cNvSpPr>
+          <p:nvPr>
+            <p:ph type="body" idx="1"/>
+          </p:nvPr>
+        </p:nvSpPr>
+        <p:spPr/>
+        <p:txBody>
+          <a:bodyPr/>
+          <a:lstStyle/>
+          <a:p>
             <a:pPr marL="0" marR="0" lvl="0" indent="0" algn="l" defTabSz="914400" rtl="0" eaLnBrk="1" fontAlgn="auto" latinLnBrk="0" hangingPunct="1">
               <a:lnSpc>
                 <a:spcPct val="100000"/>
@@ -2549,7 +2697,175 @@
 </p:notes>
 </file>
 
-<file path=ppt/notesSlides/notesSlide6.xml><?xml version="1.0" encoding="utf-8"?>
+<file path=ppt/notesSlides/notesSlide7.xml><?xml version="1.0" encoding="utf-8"?>
+<p:notes xmlns:a="http://schemas.openxmlformats.org/drawingml/2006/main" xmlns:r="http://schemas.openxmlformats.org/officeDocument/2006/relationships" xmlns:p="http://schemas.openxmlformats.org/presentationml/2006/main">
+  <p:cSld>
+    <p:spTree>
+      <p:nvGrpSpPr>
+        <p:cNvPr id="1" name=""/>
+        <p:cNvGrpSpPr/>
+        <p:nvPr/>
+      </p:nvGrpSpPr>
+      <p:grpSpPr>
+        <a:xfrm>
+          <a:off x="0" y="0"/>
+          <a:ext cx="0" cy="0"/>
+          <a:chOff x="0" y="0"/>
+          <a:chExt cx="0" cy="0"/>
+        </a:xfrm>
+      </p:grpSpPr>
+      <p:sp>
+        <p:nvSpPr>
+          <p:cNvPr id="2" name="幻灯片图像占位符 1"/>
+          <p:cNvSpPr>
+            <a:spLocks noGrp="1" noRot="1" noChangeAspect="1"/>
+          </p:cNvSpPr>
+          <p:nvPr>
+            <p:ph type="sldImg"/>
+          </p:nvPr>
+        </p:nvSpPr>
+        <p:spPr/>
+      </p:sp>
+      <p:sp>
+        <p:nvSpPr>
+          <p:cNvPr id="3" name="备注占位符 2"/>
+          <p:cNvSpPr>
+            <a:spLocks noGrp="1"/>
+          </p:cNvSpPr>
+          <p:nvPr>
+            <p:ph type="body" idx="1"/>
+          </p:nvPr>
+        </p:nvSpPr>
+        <p:spPr/>
+        <p:txBody>
+          <a:bodyPr/>
+          <a:lstStyle/>
+          <a:p>
+            <a:endParaRPr kumimoji="1" lang="zh-CN" altLang="en-US" dirty="0"/>
+          </a:p>
+        </p:txBody>
+      </p:sp>
+      <p:sp>
+        <p:nvSpPr>
+          <p:cNvPr id="4" name="灯片编号占位符 3"/>
+          <p:cNvSpPr>
+            <a:spLocks noGrp="1"/>
+          </p:cNvSpPr>
+          <p:nvPr>
+            <p:ph type="sldNum" sz="quarter" idx="5"/>
+          </p:nvPr>
+        </p:nvSpPr>
+        <p:spPr/>
+        <p:txBody>
+          <a:bodyPr/>
+          <a:lstStyle/>
+          <a:p>
+            <a:fld id="{DE96BC0C-342F-3F43-BB67-DA15D79BB058}" type="slidenum">
+              <a:rPr kumimoji="1" lang="zh-CN" altLang="en-US" smtClean="0"/>
+              <a:t>22</a:t>
+            </a:fld>
+            <a:endParaRPr kumimoji="1" lang="zh-CN" altLang="en-US"/>
+          </a:p>
+        </p:txBody>
+      </p:sp>
+    </p:spTree>
+    <p:extLst>
+      <p:ext uri="{BB962C8B-B14F-4D97-AF65-F5344CB8AC3E}">
+        <p14:creationId xmlns:p14="http://schemas.microsoft.com/office/powerpoint/2010/main" val="717665770"/>
+      </p:ext>
+    </p:extLst>
+  </p:cSld>
+  <p:clrMapOvr>
+    <a:masterClrMapping/>
+  </p:clrMapOvr>
+</p:notes>
+</file>
+
+<file path=ppt/notesSlides/notesSlide8.xml><?xml version="1.0" encoding="utf-8"?>
+<p:notes xmlns:a="http://schemas.openxmlformats.org/drawingml/2006/main" xmlns:r="http://schemas.openxmlformats.org/officeDocument/2006/relationships" xmlns:p="http://schemas.openxmlformats.org/presentationml/2006/main">
+  <p:cSld>
+    <p:spTree>
+      <p:nvGrpSpPr>
+        <p:cNvPr id="1" name=""/>
+        <p:cNvGrpSpPr/>
+        <p:nvPr/>
+      </p:nvGrpSpPr>
+      <p:grpSpPr>
+        <a:xfrm>
+          <a:off x="0" y="0"/>
+          <a:ext cx="0" cy="0"/>
+          <a:chOff x="0" y="0"/>
+          <a:chExt cx="0" cy="0"/>
+        </a:xfrm>
+      </p:grpSpPr>
+      <p:sp>
+        <p:nvSpPr>
+          <p:cNvPr id="2" name="幻灯片图像占位符 1"/>
+          <p:cNvSpPr>
+            <a:spLocks noGrp="1" noRot="1" noChangeAspect="1"/>
+          </p:cNvSpPr>
+          <p:nvPr>
+            <p:ph type="sldImg"/>
+          </p:nvPr>
+        </p:nvSpPr>
+        <p:spPr/>
+      </p:sp>
+      <p:sp>
+        <p:nvSpPr>
+          <p:cNvPr id="3" name="备注占位符 2"/>
+          <p:cNvSpPr>
+            <a:spLocks noGrp="1"/>
+          </p:cNvSpPr>
+          <p:nvPr>
+            <p:ph type="body" idx="1"/>
+          </p:nvPr>
+        </p:nvSpPr>
+        <p:spPr/>
+        <p:txBody>
+          <a:bodyPr/>
+          <a:lstStyle/>
+          <a:p>
+            <a:endParaRPr kumimoji="1" lang="zh-CN" altLang="en-US" dirty="0"/>
+          </a:p>
+        </p:txBody>
+      </p:sp>
+      <p:sp>
+        <p:nvSpPr>
+          <p:cNvPr id="4" name="灯片编号占位符 3"/>
+          <p:cNvSpPr>
+            <a:spLocks noGrp="1"/>
+          </p:cNvSpPr>
+          <p:nvPr>
+            <p:ph type="sldNum" sz="quarter" idx="5"/>
+          </p:nvPr>
+        </p:nvSpPr>
+        <p:spPr/>
+        <p:txBody>
+          <a:bodyPr/>
+          <a:lstStyle/>
+          <a:p>
+            <a:fld id="{DE96BC0C-342F-3F43-BB67-DA15D79BB058}" type="slidenum">
+              <a:rPr kumimoji="1" lang="zh-CN" altLang="en-US" smtClean="0"/>
+              <a:t>24</a:t>
+            </a:fld>
+            <a:endParaRPr kumimoji="1" lang="zh-CN" altLang="en-US"/>
+          </a:p>
+        </p:txBody>
+      </p:sp>
+    </p:spTree>
+    <p:extLst>
+      <p:ext uri="{BB962C8B-B14F-4D97-AF65-F5344CB8AC3E}">
+        <p14:creationId xmlns:p14="http://schemas.microsoft.com/office/powerpoint/2010/main" val="1401652537"/>
+      </p:ext>
+    </p:extLst>
+  </p:cSld>
+  <p:clrMapOvr>
+    <a:masterClrMapping/>
+  </p:clrMapOvr>
+</p:notes>
+</file>
+
+<file path=ppt/notesSlides/notesSlide9.xml><?xml version="1.0" encoding="utf-8"?>
 <p:notes xmlns:a="http://schemas.openxmlformats.org/drawingml/2006/main" xmlns:r="http://schemas.openxmlformats.org/officeDocument/2006/relationships" xmlns:p="http://schemas.openxmlformats.org/presentationml/2006/main">
   <p:cSld>
     <p:spTree>
@@ -2772,7 +3088,7 @@
           <a:p>
             <a:fld id="{1D8BD707-D9CF-40AE-B4C6-C98DA3205C09}" type="datetimeFigureOut">
               <a:rPr lang="en-US"/>
-              <a:t>9/29/20</a:t>
+              <a:t>10/5/20</a:t>
             </a:fld>
             <a:endParaRPr lang="en-US"/>
           </a:p>
@@ -2947,7 +3263,7 @@
           <a:p>
             <a:fld id="{1D8BD707-D9CF-40AE-B4C6-C98DA3205C09}" type="datetimeFigureOut">
               <a:rPr lang="en-US"/>
-              <a:t>9/29/20</a:t>
+              <a:t>10/5/20</a:t>
             </a:fld>
             <a:endParaRPr lang="en-US"/>
           </a:p>
@@ -4014,7 +4330,7 @@
           <a:p>
             <a:fld id="{1D8BD707-D9CF-40AE-B4C6-C98DA3205C09}" type="datetimeFigureOut">
               <a:rPr lang="en-US"/>
-              <a:t>9/29/20</a:t>
+              <a:t>10/5/20</a:t>
             </a:fld>
             <a:endParaRPr lang="en-US"/>
           </a:p>
@@ -4162,7 +4478,7 @@
           <a:p>
             <a:fld id="{1D8BD707-D9CF-40AE-B4C6-C98DA3205C09}" type="datetimeFigureOut">
               <a:rPr lang="en-US"/>
-              <a:t>9/29/20</a:t>
+              <a:t>10/5/20</a:t>
             </a:fld>
             <a:endParaRPr lang="en-US"/>
           </a:p>
@@ -4281,7 +4597,7 @@
           <a:p>
             <a:fld id="{1D8BD707-D9CF-40AE-B4C6-C98DA3205C09}" type="datetimeFigureOut">
               <a:rPr lang="en-US"/>
-              <a:t>9/29/20</a:t>
+              <a:t>10/5/20</a:t>
             </a:fld>
             <a:endParaRPr lang="en-US"/>
           </a:p>
@@ -4554,7 +4870,7 @@
           <a:p>
             <a:fld id="{1D8BD707-D9CF-40AE-B4C6-C98DA3205C09}" type="datetimeFigureOut">
               <a:rPr lang="en-US"/>
-              <a:t>9/29/20</a:t>
+              <a:t>10/5/20</a:t>
             </a:fld>
             <a:endParaRPr lang="en-US"/>
           </a:p>
@@ -8010,8 +8326,8 @@
         </p:nvSpPr>
         <p:spPr>
           <a:xfrm>
-            <a:off x="-304800" y="72487"/>
-            <a:ext cx="3043765" cy="1827193"/>
+            <a:off x="-304799" y="72488"/>
+            <a:ext cx="2667000" cy="1601018"/>
           </a:xfrm>
           <a:prstGeom prst="rect">
             <a:avLst/>
@@ -8085,8 +8401,8 @@
         </p:nvSpPr>
         <p:spPr>
           <a:xfrm>
-            <a:off x="497148" y="819150"/>
-            <a:ext cx="1475999" cy="430887"/>
+            <a:off x="381000" y="742950"/>
+            <a:ext cx="1293296" cy="369332"/>
           </a:xfrm>
           <a:prstGeom prst="rect">
             <a:avLst/>
@@ -8104,7 +8420,7 @@
               </a:lnSpc>
             </a:pPr>
             <a:r>
-              <a:rPr sz="2800" spc="-5" dirty="0">
+              <a:rPr sz="2400" spc="-5" dirty="0">
                 <a:latin typeface="Arial Unicode MS"/>
                 <a:cs typeface="Arial Unicode MS"/>
               </a:rPr>
@@ -9500,7 +9816,7 @@
             <a:avLst/>
           </a:prstGeom>
           <a:blipFill>
-            <a:blip r:embed="rId2" cstate="print"/>
+            <a:blip r:embed="rId3" cstate="print"/>
             <a:stretch>
               <a:fillRect/>
             </a:stretch>
@@ -12112,7 +12428,7 @@
             <a:avLst/>
           </a:prstGeom>
           <a:blipFill>
-            <a:blip r:embed="rId3" cstate="print"/>
+            <a:blip r:embed="rId4" cstate="print"/>
             <a:stretch>
               <a:fillRect/>
             </a:stretch>
@@ -16417,7 +16733,7 @@
             <a:avLst/>
           </a:prstGeom>
           <a:blipFill>
-            <a:blip r:embed="rId2" cstate="print"/>
+            <a:blip r:embed="rId3" cstate="print"/>
             <a:stretch>
               <a:fillRect/>
             </a:stretch>
@@ -16446,7 +16762,7 @@
             <a:avLst/>
           </a:prstGeom>
           <a:blipFill>
-            <a:blip r:embed="rId3" cstate="print"/>
+            <a:blip r:embed="rId4" cstate="print"/>
             <a:stretch>
               <a:fillRect/>
             </a:stretch>
@@ -20186,7 +20502,7 @@
             <a:avLst/>
           </a:prstGeom>
           <a:blipFill>
-            <a:blip r:embed="rId2" cstate="print"/>
+            <a:blip r:embed="rId3" cstate="print"/>
             <a:stretch>
               <a:fillRect/>
             </a:stretch>
@@ -20215,7 +20531,7 @@
             <a:avLst/>
           </a:prstGeom>
           <a:blipFill>
-            <a:blip r:embed="rId3" cstate="print"/>
+            <a:blip r:embed="rId4" cstate="print"/>
             <a:stretch>
               <a:fillRect/>
             </a:stretch>
@@ -33168,890 +33484,6 @@
 </file>
 
 <file path=ppt/slides/slide35.xml><?xml version="1.0" encoding="utf-8"?>
-<p:sld xmlns:a="http://schemas.openxmlformats.org/drawingml/2006/main" xmlns:r="http://schemas.openxmlformats.org/officeDocument/2006/relationships" xmlns:p="http://schemas.openxmlformats.org/presentationml/2006/main">
-  <p:cSld>
-    <p:spTree>
-      <p:nvGrpSpPr>
-        <p:cNvPr id="1" name=""/>
-        <p:cNvGrpSpPr/>
-        <p:nvPr/>
-      </p:nvGrpSpPr>
-      <p:grpSpPr>
-        <a:xfrm>
-          <a:off x="0" y="0"/>
-          <a:ext cx="0" cy="0"/>
-          <a:chOff x="0" y="0"/>
-          <a:chExt cx="0" cy="0"/>
-        </a:xfrm>
-      </p:grpSpPr>
-      <p:sp>
-        <p:nvSpPr>
-          <p:cNvPr id="2" name="object 2"/>
-          <p:cNvSpPr/>
-          <p:nvPr/>
-        </p:nvSpPr>
-        <p:spPr>
-          <a:xfrm>
-            <a:off x="906043" y="3018797"/>
-            <a:ext cx="2134209" cy="1186712"/>
-          </a:xfrm>
-          <a:prstGeom prst="rect">
-            <a:avLst/>
-          </a:prstGeom>
-          <a:blipFill>
-            <a:blip r:embed="rId2" cstate="print"/>
-            <a:stretch>
-              <a:fillRect/>
-            </a:stretch>
-          </a:blipFill>
-        </p:spPr>
-        <p:txBody>
-          <a:bodyPr wrap="square" lIns="0" tIns="0" rIns="0" bIns="0" rtlCol="0"/>
-          <a:lstStyle/>
-          <a:p>
-            <a:endParaRPr/>
-          </a:p>
-        </p:txBody>
-      </p:sp>
-      <p:sp>
-        <p:nvSpPr>
-          <p:cNvPr id="3" name="object 3"/>
-          <p:cNvSpPr/>
-          <p:nvPr/>
-        </p:nvSpPr>
-        <p:spPr>
-          <a:xfrm>
-            <a:off x="3108753" y="1779423"/>
-            <a:ext cx="3638062" cy="1634611"/>
-          </a:xfrm>
-          <a:prstGeom prst="rect">
-            <a:avLst/>
-          </a:prstGeom>
-          <a:blipFill>
-            <a:blip r:embed="rId3" cstate="print"/>
-            <a:stretch>
-              <a:fillRect/>
-            </a:stretch>
-          </a:blipFill>
-        </p:spPr>
-        <p:txBody>
-          <a:bodyPr wrap="square" lIns="0" tIns="0" rIns="0" bIns="0" rtlCol="0"/>
-          <a:lstStyle/>
-          <a:p>
-            <a:endParaRPr/>
-          </a:p>
-        </p:txBody>
-      </p:sp>
-      <p:sp>
-        <p:nvSpPr>
-          <p:cNvPr id="5" name="object 5"/>
-          <p:cNvSpPr txBox="1">
-            <a:spLocks noGrp="1"/>
-          </p:cNvSpPr>
-          <p:nvPr>
-            <p:ph type="title"/>
-          </p:nvPr>
-        </p:nvSpPr>
-        <p:spPr>
-          <a:prstGeom prst="rect">
-            <a:avLst/>
-          </a:prstGeom>
-        </p:spPr>
-        <p:txBody>
-          <a:bodyPr vert="horz" wrap="square" lIns="0" tIns="0" rIns="0" bIns="0" rtlCol="0">
-            <a:spAutoFit/>
-          </a:bodyPr>
-          <a:lstStyle/>
-          <a:p>
-            <a:pPr marL="1506220">
-              <a:lnSpc>
-                <a:spcPct val="100000"/>
-              </a:lnSpc>
-            </a:pPr>
-            <a:r>
-              <a:rPr spc="-5" dirty="0">
-                <a:latin typeface="Arial Unicode MS"/>
-                <a:cs typeface="Arial Unicode MS"/>
-              </a:rPr>
-              <a:t>时间格式化</a:t>
-            </a:r>
-          </a:p>
-        </p:txBody>
-      </p:sp>
-      <p:sp>
-        <p:nvSpPr>
-          <p:cNvPr id="7" name="object 7"/>
-          <p:cNvSpPr txBox="1"/>
-          <p:nvPr/>
-        </p:nvSpPr>
-        <p:spPr>
-          <a:xfrm>
-            <a:off x="8545106" y="3544858"/>
-            <a:ext cx="151130" cy="254000"/>
-          </a:xfrm>
-          <a:prstGeom prst="rect">
-            <a:avLst/>
-          </a:prstGeom>
-        </p:spPr>
-        <p:txBody>
-          <a:bodyPr vert="horz" wrap="square" lIns="0" tIns="0" rIns="0" bIns="0" rtlCol="0">
-            <a:spAutoFit/>
-          </a:bodyPr>
-          <a:lstStyle/>
-          <a:p>
-            <a:pPr marL="12700">
-              <a:lnSpc>
-                <a:spcPct val="100000"/>
-              </a:lnSpc>
-            </a:pPr>
-            <a:r>
-              <a:rPr sz="1800" b="1" spc="275" dirty="0">
-                <a:latin typeface="FZLTZHB--B51-0"/>
-                <a:cs typeface="FZLTZHB--B51-0"/>
-              </a:rPr>
-              <a:t>)</a:t>
-            </a:r>
-            <a:endParaRPr sz="1800">
-              <a:latin typeface="FZLTZHB--B51-0"/>
-              <a:cs typeface="FZLTZHB--B51-0"/>
-            </a:endParaRPr>
-          </a:p>
-        </p:txBody>
-      </p:sp>
-      <p:graphicFrame>
-        <p:nvGraphicFramePr>
-          <p:cNvPr id="6" name="object 6"/>
-          <p:cNvGraphicFramePr>
-            <a:graphicFrameLocks noGrp="1"/>
-          </p:cNvGraphicFramePr>
-          <p:nvPr/>
-        </p:nvGraphicFramePr>
-        <p:xfrm>
-          <a:off x="482798" y="1701303"/>
-          <a:ext cx="8165704" cy="2585466"/>
-        </p:xfrm>
-        <a:graphic>
-          <a:graphicData uri="http://schemas.openxmlformats.org/drawingml/2006/table">
-            <a:tbl>
-              <a:tblPr firstRow="1" bandRow="1">
-                <a:tableStyleId>{2D5ABB26-0587-4C30-8999-92F81FD0307C}</a:tableStyleId>
-              </a:tblPr>
-              <a:tblGrid>
-                <a:gridCol w="3146747">
-                  <a:extLst>
-                    <a:ext uri="{9D8B030D-6E8A-4147-A177-3AD203B41FA5}">
-                      <a16:colId xmlns:a16="http://schemas.microsoft.com/office/drawing/2014/main" val="20000"/>
-                    </a:ext>
-                  </a:extLst>
-                </a:gridCol>
-                <a:gridCol w="5018957">
-                  <a:extLst>
-                    <a:ext uri="{9D8B030D-6E8A-4147-A177-3AD203B41FA5}">
-                      <a16:colId xmlns:a16="http://schemas.microsoft.com/office/drawing/2014/main" val="20001"/>
-                    </a:ext>
-                  </a:extLst>
-                </a:gridCol>
-              </a:tblGrid>
-              <a:tr h="398779">
-                <a:tc>
-                  <a:txBody>
-                    <a:bodyPr/>
-                    <a:lstStyle/>
-                    <a:p>
-                      <a:pPr algn="ctr">
-                        <a:lnSpc>
-                          <a:spcPct val="100000"/>
-                        </a:lnSpc>
-                      </a:pPr>
-                      <a:r>
-                        <a:rPr sz="1800" b="1" dirty="0">
-                          <a:latin typeface="Heiti SC"/>
-                          <a:cs typeface="Heiti SC"/>
-                        </a:rPr>
-                        <a:t>函数</a:t>
-                      </a:r>
-                      <a:endParaRPr sz="1800">
-                        <a:latin typeface="Heiti SC"/>
-                        <a:cs typeface="Heiti SC"/>
-                      </a:endParaRPr>
-                    </a:p>
-                  </a:txBody>
-                  <a:tcPr marL="0" marR="0" marT="0" marB="0">
-                    <a:lnL w="12700">
-                      <a:solidFill>
-                        <a:srgbClr val="FF6900"/>
-                      </a:solidFill>
-                      <a:prstDash val="solid"/>
-                    </a:lnL>
-                    <a:lnR w="12700">
-                      <a:solidFill>
-                        <a:srgbClr val="FF6900"/>
-                      </a:solidFill>
-                      <a:prstDash val="solid"/>
-                    </a:lnR>
-                    <a:lnT w="12700">
-                      <a:solidFill>
-                        <a:srgbClr val="FF6900"/>
-                      </a:solidFill>
-                      <a:prstDash val="solid"/>
-                    </a:lnT>
-                    <a:solidFill>
-                      <a:srgbClr val="FDFDF9"/>
-                    </a:solidFill>
-                  </a:tcPr>
-                </a:tc>
-                <a:tc>
-                  <a:txBody>
-                    <a:bodyPr/>
-                    <a:lstStyle/>
-                    <a:p>
-                      <a:pPr algn="ctr">
-                        <a:lnSpc>
-                          <a:spcPct val="100000"/>
-                        </a:lnSpc>
-                      </a:pPr>
-                      <a:r>
-                        <a:rPr sz="1800" b="1" dirty="0">
-                          <a:latin typeface="Heiti SC"/>
-                          <a:cs typeface="Heiti SC"/>
-                        </a:rPr>
-                        <a:t>描述</a:t>
-                      </a:r>
-                      <a:endParaRPr sz="1800">
-                        <a:latin typeface="Heiti SC"/>
-                        <a:cs typeface="Heiti SC"/>
-                      </a:endParaRPr>
-                    </a:p>
-                  </a:txBody>
-                  <a:tcPr marL="0" marR="0" marT="0" marB="0">
-                    <a:lnL w="12700">
-                      <a:solidFill>
-                        <a:srgbClr val="FF6900"/>
-                      </a:solidFill>
-                      <a:prstDash val="solid"/>
-                    </a:lnL>
-                    <a:lnR w="12700">
-                      <a:solidFill>
-                        <a:srgbClr val="FF6900"/>
-                      </a:solidFill>
-                      <a:prstDash val="solid"/>
-                    </a:lnR>
-                    <a:lnT w="12700">
-                      <a:solidFill>
-                        <a:srgbClr val="FF6900"/>
-                      </a:solidFill>
-                      <a:prstDash val="solid"/>
-                    </a:lnT>
-                    <a:solidFill>
-                      <a:srgbClr val="FDFDF9"/>
-                    </a:solidFill>
-                  </a:tcPr>
-                </a:tc>
-                <a:extLst>
-                  <a:ext uri="{0D108BD9-81ED-4DB2-BD59-A6C34878D82A}">
-                    <a16:rowId xmlns:a16="http://schemas.microsoft.com/office/drawing/2014/main" val="10000"/>
-                  </a:ext>
-                </a:extLst>
-              </a:tr>
-              <a:tr h="2186687">
-                <a:tc>
-                  <a:txBody>
-                    <a:bodyPr/>
-                    <a:lstStyle/>
-                    <a:p>
-                      <a:pPr marL="674370">
-                        <a:lnSpc>
-                          <a:spcPct val="100000"/>
-                        </a:lnSpc>
-                      </a:pPr>
-                      <a:r>
-                        <a:rPr sz="2000" spc="-5" dirty="0">
-                          <a:latin typeface="Microsoft Sans Serif"/>
-                          <a:cs typeface="Microsoft Sans Serif"/>
-                        </a:rPr>
-                        <a:t>st</a:t>
-                      </a:r>
-                      <a:r>
-                        <a:rPr sz="2000" spc="35" dirty="0">
-                          <a:latin typeface="Microsoft Sans Serif"/>
-                          <a:cs typeface="Microsoft Sans Serif"/>
-                        </a:rPr>
-                        <a:t>rf</a:t>
-                      </a:r>
-                      <a:r>
-                        <a:rPr sz="2000" spc="-5" dirty="0">
-                          <a:latin typeface="Microsoft Sans Serif"/>
-                          <a:cs typeface="Microsoft Sans Serif"/>
-                        </a:rPr>
-                        <a:t>t</a:t>
-                      </a:r>
-                      <a:r>
-                        <a:rPr sz="2000" spc="-10" dirty="0">
-                          <a:latin typeface="Microsoft Sans Serif"/>
-                          <a:cs typeface="Microsoft Sans Serif"/>
-                        </a:rPr>
-                        <a:t>im</a:t>
-                      </a:r>
-                      <a:r>
-                        <a:rPr sz="2000" spc="5" dirty="0">
-                          <a:latin typeface="Microsoft Sans Serif"/>
-                          <a:cs typeface="Microsoft Sans Serif"/>
-                        </a:rPr>
-                        <a:t>e</a:t>
-                      </a:r>
-                      <a:r>
-                        <a:rPr sz="2000" dirty="0">
-                          <a:latin typeface="Microsoft Sans Serif"/>
-                          <a:cs typeface="Microsoft Sans Serif"/>
-                        </a:rPr>
-                        <a:t>(</a:t>
-                      </a:r>
-                      <a:r>
-                        <a:rPr sz="2000" spc="-5" dirty="0">
-                          <a:latin typeface="Microsoft Sans Serif"/>
-                          <a:cs typeface="Microsoft Sans Serif"/>
-                        </a:rPr>
-                        <a:t>t</a:t>
-                      </a:r>
-                      <a:r>
-                        <a:rPr sz="2000" dirty="0">
-                          <a:latin typeface="Microsoft Sans Serif"/>
-                          <a:cs typeface="Microsoft Sans Serif"/>
-                        </a:rPr>
-                        <a:t>p</a:t>
-                      </a:r>
-                      <a:r>
-                        <a:rPr sz="2000" spc="-10" dirty="0">
-                          <a:latin typeface="Microsoft Sans Serif"/>
-                          <a:cs typeface="Microsoft Sans Serif"/>
-                        </a:rPr>
-                        <a:t>l</a:t>
-                      </a:r>
-                      <a:r>
-                        <a:rPr sz="2000" dirty="0">
-                          <a:latin typeface="Microsoft Sans Serif"/>
-                          <a:cs typeface="Microsoft Sans Serif"/>
-                        </a:rPr>
-                        <a:t>,</a:t>
-                      </a:r>
-                      <a:r>
-                        <a:rPr sz="2000" spc="75" dirty="0">
-                          <a:latin typeface="Microsoft Sans Serif"/>
-                          <a:cs typeface="Microsoft Sans Serif"/>
-                        </a:rPr>
-                        <a:t> </a:t>
-                      </a:r>
-                      <a:r>
-                        <a:rPr sz="2000" spc="-5" dirty="0">
-                          <a:latin typeface="Microsoft Sans Serif"/>
-                          <a:cs typeface="Microsoft Sans Serif"/>
-                        </a:rPr>
-                        <a:t>ts</a:t>
-                      </a:r>
-                      <a:r>
-                        <a:rPr sz="2000" dirty="0">
-                          <a:latin typeface="Microsoft Sans Serif"/>
-                          <a:cs typeface="Microsoft Sans Serif"/>
-                        </a:rPr>
-                        <a:t>)</a:t>
-                      </a:r>
-                      <a:endParaRPr sz="2000">
-                        <a:latin typeface="Microsoft Sans Serif"/>
-                        <a:cs typeface="Microsoft Sans Serif"/>
-                      </a:endParaRPr>
-                    </a:p>
-                  </a:txBody>
-                  <a:tcPr marL="0" marR="0" marT="0" marB="0">
-                    <a:solidFill>
-                      <a:srgbClr val="FF6900"/>
-                    </a:solidFill>
-                  </a:tcPr>
-                </a:tc>
-                <a:tc>
-                  <a:txBody>
-                    <a:bodyPr/>
-                    <a:lstStyle/>
-                    <a:p>
-                      <a:pPr marL="171450" marR="431800">
-                        <a:lnSpc>
-                          <a:spcPct val="150000"/>
-                        </a:lnSpc>
-                      </a:pPr>
-                      <a:r>
-                        <a:rPr sz="1800" dirty="0">
-                          <a:latin typeface="Microsoft Sans Serif"/>
-                          <a:cs typeface="Microsoft Sans Serif"/>
-                        </a:rPr>
-                        <a:t>tpl</a:t>
-                      </a:r>
-                      <a:r>
-                        <a:rPr sz="1800" dirty="0">
-                          <a:latin typeface="Arial Unicode MS"/>
-                          <a:cs typeface="Arial Unicode MS"/>
-                        </a:rPr>
-                        <a:t>是格式化模板字符串，用来定义输出效果 </a:t>
-                      </a:r>
-                      <a:r>
-                        <a:rPr sz="1800" dirty="0">
-                          <a:latin typeface="Microsoft Sans Serif"/>
-                          <a:cs typeface="Microsoft Sans Serif"/>
-                        </a:rPr>
-                        <a:t>t</a:t>
-                      </a:r>
-                      <a:r>
-                        <a:rPr sz="1800" spc="-10" dirty="0">
-                          <a:latin typeface="Microsoft Sans Serif"/>
-                          <a:cs typeface="Microsoft Sans Serif"/>
-                        </a:rPr>
-                        <a:t>s</a:t>
-                      </a:r>
-                      <a:r>
-                        <a:rPr sz="1800" dirty="0">
-                          <a:latin typeface="Arial Unicode MS"/>
-                          <a:cs typeface="Arial Unicode MS"/>
-                        </a:rPr>
-                        <a:t>是计算机内部时间类型变量</a:t>
-                      </a:r>
-                      <a:endParaRPr sz="1800">
-                        <a:latin typeface="Arial Unicode MS"/>
-                        <a:cs typeface="Arial Unicode MS"/>
-                      </a:endParaRPr>
-                    </a:p>
-                    <a:p>
-                      <a:pPr marL="170815">
-                        <a:lnSpc>
-                          <a:spcPct val="100000"/>
-                        </a:lnSpc>
-                        <a:spcBef>
-                          <a:spcPts val="1235"/>
-                        </a:spcBef>
-                      </a:pPr>
-                      <a:r>
-                        <a:rPr sz="1800" b="1" spc="-5" dirty="0">
-                          <a:solidFill>
-                            <a:srgbClr val="C00000"/>
-                          </a:solidFill>
-                          <a:latin typeface="FZLTZHB--B51-0"/>
-                          <a:cs typeface="FZLTZHB--B51-0"/>
-                        </a:rPr>
-                        <a:t>&gt;&gt;&gt;</a:t>
-                      </a:r>
-                      <a:r>
-                        <a:rPr sz="1800" b="1" dirty="0">
-                          <a:latin typeface="FZLTZHB--B51-0"/>
-                          <a:cs typeface="FZLTZHB--B51-0"/>
-                        </a:rPr>
-                        <a:t>t </a:t>
-                      </a:r>
-                      <a:r>
-                        <a:rPr sz="1800" b="1" spc="-10" dirty="0">
-                          <a:latin typeface="FZLTZHB--B51-0"/>
-                          <a:cs typeface="FZLTZHB--B51-0"/>
-                        </a:rPr>
-                        <a:t> </a:t>
-                      </a:r>
-                      <a:r>
-                        <a:rPr sz="1800" b="1" dirty="0">
-                          <a:latin typeface="FZLTZHB--B51-0"/>
-                          <a:cs typeface="FZLTZHB--B51-0"/>
-                        </a:rPr>
-                        <a:t>= </a:t>
-                      </a:r>
-                      <a:r>
-                        <a:rPr sz="1800" b="1" spc="-10" dirty="0">
-                          <a:latin typeface="FZLTZHB--B51-0"/>
-                          <a:cs typeface="FZLTZHB--B51-0"/>
-                        </a:rPr>
-                        <a:t> </a:t>
-                      </a:r>
-                      <a:r>
-                        <a:rPr sz="1800" b="1" spc="-5" dirty="0">
-                          <a:latin typeface="FZLTZHB--B51-0"/>
-                          <a:cs typeface="FZLTZHB--B51-0"/>
-                        </a:rPr>
-                        <a:t>time.gmtime()</a:t>
-                      </a:r>
-                      <a:endParaRPr sz="1800">
-                        <a:latin typeface="FZLTZHB--B51-0"/>
-                        <a:cs typeface="FZLTZHB--B51-0"/>
-                      </a:endParaRPr>
-                    </a:p>
-                    <a:p>
-                      <a:pPr marL="158750" marR="88900">
-                        <a:lnSpc>
-                          <a:spcPct val="160000"/>
-                        </a:lnSpc>
-                      </a:pPr>
-                      <a:r>
-                        <a:rPr sz="1800" b="1" spc="-5" dirty="0">
-                          <a:solidFill>
-                            <a:srgbClr val="C00000"/>
-                          </a:solidFill>
-                          <a:latin typeface="FZLTZHB--B51-0"/>
-                          <a:cs typeface="FZLTZHB--B51-0"/>
-                        </a:rPr>
-                        <a:t>&gt;&gt;&gt;</a:t>
-                      </a:r>
-                      <a:r>
-                        <a:rPr sz="1800" b="1" spc="5" dirty="0">
-                          <a:latin typeface="FZLTZHB--B51-0"/>
-                          <a:cs typeface="FZLTZHB--B51-0"/>
-                        </a:rPr>
-                        <a:t>t</a:t>
-                      </a:r>
-                      <a:r>
-                        <a:rPr sz="1800" b="1" spc="-5" dirty="0">
-                          <a:latin typeface="FZLTZHB--B51-0"/>
-                          <a:cs typeface="FZLTZHB--B51-0"/>
-                        </a:rPr>
-                        <a:t>im</a:t>
-                      </a:r>
-                      <a:r>
-                        <a:rPr sz="1800" b="1" spc="5" dirty="0">
-                          <a:latin typeface="FZLTZHB--B51-0"/>
-                          <a:cs typeface="FZLTZHB--B51-0"/>
-                        </a:rPr>
-                        <a:t>e</a:t>
-                      </a:r>
-                      <a:r>
-                        <a:rPr sz="1800" b="1" spc="-5" dirty="0">
-                          <a:latin typeface="FZLTZHB--B51-0"/>
-                          <a:cs typeface="FZLTZHB--B51-0"/>
-                        </a:rPr>
-                        <a:t>.st</a:t>
-                      </a:r>
-                      <a:r>
-                        <a:rPr sz="1800" b="1" spc="5" dirty="0">
-                          <a:latin typeface="FZLTZHB--B51-0"/>
-                          <a:cs typeface="FZLTZHB--B51-0"/>
-                        </a:rPr>
-                        <a:t>r</a:t>
-                      </a:r>
-                      <a:r>
-                        <a:rPr sz="1800" b="1" spc="-5" dirty="0">
-                          <a:latin typeface="FZLTZHB--B51-0"/>
-                          <a:cs typeface="FZLTZHB--B51-0"/>
-                        </a:rPr>
-                        <a:t>ftime(</a:t>
-                      </a:r>
-                      <a:r>
-                        <a:rPr sz="1800" b="1" spc="-5" dirty="0">
-                          <a:solidFill>
-                            <a:srgbClr val="1DB41D"/>
-                          </a:solidFill>
-                          <a:latin typeface="FZLTZHB--B51-0"/>
-                          <a:cs typeface="FZLTZHB--B51-0"/>
-                        </a:rPr>
-                        <a:t>"</a:t>
-                      </a:r>
-                      <a:r>
-                        <a:rPr sz="1800" b="1" spc="5" dirty="0">
-                          <a:solidFill>
-                            <a:srgbClr val="00AA03"/>
-                          </a:solidFill>
-                          <a:latin typeface="FZLTZHB--B51-0"/>
-                          <a:cs typeface="FZLTZHB--B51-0"/>
-                        </a:rPr>
-                        <a:t>%</a:t>
-                      </a:r>
-                      <a:r>
-                        <a:rPr sz="1800" b="1" spc="-10" dirty="0">
-                          <a:solidFill>
-                            <a:srgbClr val="00AA03"/>
-                          </a:solidFill>
-                          <a:latin typeface="FZLTZHB--B51-0"/>
-                          <a:cs typeface="FZLTZHB--B51-0"/>
-                        </a:rPr>
-                        <a:t>Y</a:t>
-                      </a:r>
-                      <a:r>
-                        <a:rPr sz="1800" b="1" spc="-5" dirty="0">
-                          <a:solidFill>
-                            <a:srgbClr val="00AA03"/>
-                          </a:solidFill>
-                          <a:latin typeface="FZLTZHB--B51-0"/>
-                          <a:cs typeface="FZLTZHB--B51-0"/>
-                        </a:rPr>
-                        <a:t>-%</a:t>
-                      </a:r>
-                      <a:r>
-                        <a:rPr sz="1800" b="1" spc="5" dirty="0">
-                          <a:solidFill>
-                            <a:srgbClr val="00AA03"/>
-                          </a:solidFill>
-                          <a:latin typeface="FZLTZHB--B51-0"/>
-                          <a:cs typeface="FZLTZHB--B51-0"/>
-                        </a:rPr>
-                        <a:t>m</a:t>
-                      </a:r>
-                      <a:r>
-                        <a:rPr sz="1800" b="1" spc="-5" dirty="0">
-                          <a:solidFill>
-                            <a:srgbClr val="00AA03"/>
-                          </a:solidFill>
-                          <a:latin typeface="FZLTZHB--B51-0"/>
-                          <a:cs typeface="FZLTZHB--B51-0"/>
-                        </a:rPr>
-                        <a:t>-%</a:t>
-                      </a:r>
-                      <a:r>
-                        <a:rPr sz="1800" b="1" dirty="0">
-                          <a:solidFill>
-                            <a:srgbClr val="00AA03"/>
-                          </a:solidFill>
-                          <a:latin typeface="FZLTZHB--B51-0"/>
-                          <a:cs typeface="FZLTZHB--B51-0"/>
-                        </a:rPr>
-                        <a:t>d </a:t>
-                      </a:r>
-                      <a:r>
-                        <a:rPr sz="1800" b="1" spc="-20" dirty="0">
-                          <a:solidFill>
-                            <a:srgbClr val="00AA03"/>
-                          </a:solidFill>
-                          <a:latin typeface="FZLTZHB--B51-0"/>
-                          <a:cs typeface="FZLTZHB--B51-0"/>
-                        </a:rPr>
-                        <a:t> </a:t>
-                      </a:r>
-                      <a:r>
-                        <a:rPr sz="1800" b="1" spc="5" dirty="0">
-                          <a:solidFill>
-                            <a:srgbClr val="00AA03"/>
-                          </a:solidFill>
-                          <a:latin typeface="FZLTZHB--B51-0"/>
-                          <a:cs typeface="FZLTZHB--B51-0"/>
-                        </a:rPr>
-                        <a:t>%</a:t>
-                      </a:r>
-                      <a:r>
-                        <a:rPr sz="1800" b="1" spc="-5" dirty="0">
-                          <a:solidFill>
-                            <a:srgbClr val="00AA03"/>
-                          </a:solidFill>
-                          <a:latin typeface="FZLTZHB--B51-0"/>
-                          <a:cs typeface="FZLTZHB--B51-0"/>
-                        </a:rPr>
-                        <a:t>H:</a:t>
-                      </a:r>
-                      <a:r>
-                        <a:rPr sz="1800" b="1" spc="5" dirty="0">
-                          <a:solidFill>
-                            <a:srgbClr val="00AA03"/>
-                          </a:solidFill>
-                          <a:latin typeface="FZLTZHB--B51-0"/>
-                          <a:cs typeface="FZLTZHB--B51-0"/>
-                        </a:rPr>
-                        <a:t>%</a:t>
-                      </a:r>
-                      <a:r>
-                        <a:rPr sz="1800" b="1" spc="-5" dirty="0">
-                          <a:solidFill>
-                            <a:srgbClr val="00AA03"/>
-                          </a:solidFill>
-                          <a:latin typeface="FZLTZHB--B51-0"/>
-                          <a:cs typeface="FZLTZHB--B51-0"/>
-                        </a:rPr>
-                        <a:t>M:%</a:t>
-                      </a:r>
-                      <a:r>
-                        <a:rPr sz="1800" b="1" dirty="0">
-                          <a:solidFill>
-                            <a:srgbClr val="00AA03"/>
-                          </a:solidFill>
-                          <a:latin typeface="FZLTZHB--B51-0"/>
-                          <a:cs typeface="FZLTZHB--B51-0"/>
-                        </a:rPr>
-                        <a:t>S</a:t>
-                      </a:r>
-                      <a:r>
-                        <a:rPr sz="1800" b="1" spc="-10" dirty="0">
-                          <a:solidFill>
-                            <a:srgbClr val="1DB41D"/>
-                          </a:solidFill>
-                          <a:latin typeface="FZLTZHB--B51-0"/>
-                          <a:cs typeface="FZLTZHB--B51-0"/>
-                        </a:rPr>
-                        <a:t>"</a:t>
-                      </a:r>
-                      <a:r>
-                        <a:rPr sz="1800" b="1" spc="-5" dirty="0">
-                          <a:latin typeface="FZLTZHB--B51-0"/>
-                          <a:cs typeface="FZLTZHB--B51-0"/>
-                        </a:rPr>
-                        <a:t>,t </a:t>
-                      </a:r>
-                      <a:r>
-                        <a:rPr sz="1800" b="1" spc="-5" dirty="0">
-                          <a:solidFill>
-                            <a:srgbClr val="0010FF"/>
-                          </a:solidFill>
-                          <a:latin typeface="FZLTZHB--B51-0"/>
-                          <a:cs typeface="FZLTZHB--B51-0"/>
-                        </a:rPr>
-                        <a:t>'20</a:t>
-                      </a:r>
-                      <a:r>
-                        <a:rPr sz="1800" b="1" spc="5" dirty="0">
-                          <a:solidFill>
-                            <a:srgbClr val="0010FF"/>
-                          </a:solidFill>
-                          <a:latin typeface="FZLTZHB--B51-0"/>
-                          <a:cs typeface="FZLTZHB--B51-0"/>
-                        </a:rPr>
-                        <a:t>1</a:t>
-                      </a:r>
-                      <a:r>
-                        <a:rPr sz="1800" b="1" spc="-5" dirty="0">
-                          <a:solidFill>
-                            <a:srgbClr val="0010FF"/>
-                          </a:solidFill>
-                          <a:latin typeface="FZLTZHB--B51-0"/>
-                          <a:cs typeface="FZLTZHB--B51-0"/>
-                        </a:rPr>
-                        <a:t>8</a:t>
-                      </a:r>
-                      <a:r>
-                        <a:rPr sz="1800" b="1" spc="-10" dirty="0">
-                          <a:solidFill>
-                            <a:srgbClr val="0010FF"/>
-                          </a:solidFill>
-                          <a:latin typeface="FZLTZHB--B51-0"/>
-                          <a:cs typeface="FZLTZHB--B51-0"/>
-                        </a:rPr>
-                        <a:t>-</a:t>
-                      </a:r>
-                      <a:r>
-                        <a:rPr sz="1800" b="1" spc="5" dirty="0">
-                          <a:solidFill>
-                            <a:srgbClr val="0010FF"/>
-                          </a:solidFill>
-                          <a:latin typeface="FZLTZHB--B51-0"/>
-                          <a:cs typeface="FZLTZHB--B51-0"/>
-                        </a:rPr>
-                        <a:t>0</a:t>
-                      </a:r>
-                      <a:r>
-                        <a:rPr sz="1800" b="1" spc="-10" dirty="0">
-                          <a:solidFill>
-                            <a:srgbClr val="0010FF"/>
-                          </a:solidFill>
-                          <a:latin typeface="FZLTZHB--B51-0"/>
-                          <a:cs typeface="FZLTZHB--B51-0"/>
-                        </a:rPr>
-                        <a:t>1</a:t>
-                      </a:r>
-                      <a:r>
-                        <a:rPr sz="1800" b="1" spc="-5" dirty="0">
-                          <a:solidFill>
-                            <a:srgbClr val="0010FF"/>
-                          </a:solidFill>
-                          <a:latin typeface="FZLTZHB--B51-0"/>
-                          <a:cs typeface="FZLTZHB--B51-0"/>
-                        </a:rPr>
-                        <a:t>-2</a:t>
-                      </a:r>
-                      <a:r>
-                        <a:rPr sz="1800" b="1" dirty="0">
-                          <a:solidFill>
-                            <a:srgbClr val="0010FF"/>
-                          </a:solidFill>
-                          <a:latin typeface="FZLTZHB--B51-0"/>
-                          <a:cs typeface="FZLTZHB--B51-0"/>
-                        </a:rPr>
-                        <a:t>6 </a:t>
-                      </a:r>
-                      <a:r>
-                        <a:rPr sz="1800" b="1" spc="-10" dirty="0">
-                          <a:solidFill>
-                            <a:srgbClr val="0010FF"/>
-                          </a:solidFill>
-                          <a:latin typeface="FZLTZHB--B51-0"/>
-                          <a:cs typeface="FZLTZHB--B51-0"/>
-                        </a:rPr>
-                        <a:t> </a:t>
-                      </a:r>
-                      <a:r>
-                        <a:rPr sz="1800" b="1" spc="-5" dirty="0">
-                          <a:solidFill>
-                            <a:srgbClr val="0010FF"/>
-                          </a:solidFill>
-                          <a:latin typeface="FZLTZHB--B51-0"/>
-                          <a:cs typeface="FZLTZHB--B51-0"/>
-                        </a:rPr>
-                        <a:t>12:</a:t>
-                      </a:r>
-                      <a:r>
-                        <a:rPr sz="1800" b="1" spc="5" dirty="0">
-                          <a:solidFill>
-                            <a:srgbClr val="0010FF"/>
-                          </a:solidFill>
-                          <a:latin typeface="FZLTZHB--B51-0"/>
-                          <a:cs typeface="FZLTZHB--B51-0"/>
-                        </a:rPr>
-                        <a:t>5</a:t>
-                      </a:r>
-                      <a:r>
-                        <a:rPr sz="1800" b="1" spc="-5" dirty="0">
-                          <a:solidFill>
-                            <a:srgbClr val="0010FF"/>
-                          </a:solidFill>
-                          <a:latin typeface="FZLTZHB--B51-0"/>
-                          <a:cs typeface="FZLTZHB--B51-0"/>
-                        </a:rPr>
-                        <a:t>5:</a:t>
-                      </a:r>
-                      <a:r>
-                        <a:rPr sz="1800" b="1" spc="5" dirty="0">
-                          <a:solidFill>
-                            <a:srgbClr val="0010FF"/>
-                          </a:solidFill>
-                          <a:latin typeface="FZLTZHB--B51-0"/>
-                          <a:cs typeface="FZLTZHB--B51-0"/>
-                        </a:rPr>
-                        <a:t>2</a:t>
-                      </a:r>
-                      <a:r>
-                        <a:rPr sz="1800" b="1" spc="-5" dirty="0">
-                          <a:solidFill>
-                            <a:srgbClr val="0010FF"/>
-                          </a:solidFill>
-                          <a:latin typeface="FZLTZHB--B51-0"/>
-                          <a:cs typeface="FZLTZHB--B51-0"/>
-                        </a:rPr>
-                        <a:t>0'</a:t>
-                      </a:r>
-                      <a:endParaRPr sz="1800">
-                        <a:latin typeface="FZLTZHB--B51-0"/>
-                        <a:cs typeface="FZLTZHB--B51-0"/>
-                      </a:endParaRPr>
-                    </a:p>
-                  </a:txBody>
-                  <a:tcPr marL="0" marR="0" marT="0" marB="0">
-                    <a:solidFill>
-                      <a:srgbClr val="FF6900"/>
-                    </a:solidFill>
-                  </a:tcPr>
-                </a:tc>
-                <a:extLst>
-                  <a:ext uri="{0D108BD9-81ED-4DB2-BD59-A6C34878D82A}">
-                    <a16:rowId xmlns:a16="http://schemas.microsoft.com/office/drawing/2014/main" val="10001"/>
-                  </a:ext>
-                </a:extLst>
-              </a:tr>
-            </a:tbl>
-          </a:graphicData>
-        </a:graphic>
-      </p:graphicFrame>
-    </p:spTree>
-  </p:cSld>
-  <p:clrMapOvr>
-    <a:masterClrMapping/>
-  </p:clrMapOvr>
-</p:sld>
-</file>
-
-<file path=ppt/slides/slide36.xml><?xml version="1.0" encoding="utf-8"?>
 <p:sld xmlns:a="http://schemas.openxmlformats.org/drawingml/2006/main" xmlns:r="http://schemas.openxmlformats.org/officeDocument/2006/relationships" xmlns:p="http://schemas.openxmlformats.org/presentationml/2006/main">
   <p:cSld>
     <p:spTree>
@@ -35459,7 +34891,7 @@
 </p:sld>
 </file>
 
-<file path=ppt/slides/slide37.xml><?xml version="1.0" encoding="utf-8"?>
+<file path=ppt/slides/slide36.xml><?xml version="1.0" encoding="utf-8"?>
 <p:sld xmlns:a="http://schemas.openxmlformats.org/drawingml/2006/main" xmlns:r="http://schemas.openxmlformats.org/officeDocument/2006/relationships" xmlns:p="http://schemas.openxmlformats.org/presentationml/2006/main">
   <p:cSld>
     <p:spTree>
@@ -36769,7 +36201,7 @@
 </p:sld>
 </file>
 
-<file path=ppt/slides/slide38.xml><?xml version="1.0" encoding="utf-8"?>
+<file path=ppt/slides/slide37.xml><?xml version="1.0" encoding="utf-8"?>
 <p:sld xmlns:a="http://schemas.openxmlformats.org/drawingml/2006/main" xmlns:r="http://schemas.openxmlformats.org/officeDocument/2006/relationships" xmlns:p="http://schemas.openxmlformats.org/presentationml/2006/main">
   <p:cSld>
     <p:spTree>
@@ -38051,7 +37483,7 @@
 </p:sld>
 </file>
 
-<file path=ppt/slides/slide39.xml><?xml version="1.0" encoding="utf-8"?>
+<file path=ppt/slides/slide38.xml><?xml version="1.0" encoding="utf-8"?>
 <p:sld xmlns:a="http://schemas.openxmlformats.org/drawingml/2006/main" xmlns:r="http://schemas.openxmlformats.org/officeDocument/2006/relationships" xmlns:p="http://schemas.openxmlformats.org/presentationml/2006/main">
   <p:cSld>
     <p:spTree>
@@ -39551,6 +38983,171 @@
 </p:sld>
 </file>
 
+<file path=ppt/slides/slide39.xml><?xml version="1.0" encoding="utf-8"?>
+<p:sld xmlns:a="http://schemas.openxmlformats.org/drawingml/2006/main" xmlns:r="http://schemas.openxmlformats.org/officeDocument/2006/relationships" xmlns:p="http://schemas.openxmlformats.org/presentationml/2006/main">
+  <p:cSld>
+    <p:spTree>
+      <p:nvGrpSpPr>
+        <p:cNvPr id="1" name=""/>
+        <p:cNvGrpSpPr/>
+        <p:nvPr/>
+      </p:nvGrpSpPr>
+      <p:grpSpPr>
+        <a:xfrm>
+          <a:off x="0" y="0"/>
+          <a:ext cx="0" cy="0"/>
+          <a:chOff x="0" y="0"/>
+          <a:chExt cx="0" cy="0"/>
+        </a:xfrm>
+      </p:grpSpPr>
+      <p:sp>
+        <p:nvSpPr>
+          <p:cNvPr id="3" name="object 3"/>
+          <p:cNvSpPr/>
+          <p:nvPr/>
+        </p:nvSpPr>
+        <p:spPr>
+          <a:xfrm>
+            <a:off x="3108753" y="1779423"/>
+            <a:ext cx="3638062" cy="1634611"/>
+          </a:xfrm>
+          <a:prstGeom prst="rect">
+            <a:avLst/>
+          </a:prstGeom>
+          <a:blipFill>
+            <a:blip r:embed="rId2" cstate="print"/>
+            <a:stretch>
+              <a:fillRect/>
+            </a:stretch>
+          </a:blipFill>
+        </p:spPr>
+        <p:txBody>
+          <a:bodyPr wrap="square" lIns="0" tIns="0" rIns="0" bIns="0" rtlCol="0"/>
+          <a:lstStyle/>
+          <a:p>
+            <a:endParaRPr/>
+          </a:p>
+        </p:txBody>
+      </p:sp>
+      <p:sp>
+        <p:nvSpPr>
+          <p:cNvPr id="5" name="object 5"/>
+          <p:cNvSpPr/>
+          <p:nvPr/>
+        </p:nvSpPr>
+        <p:spPr>
+          <a:xfrm>
+            <a:off x="1908048" y="1059180"/>
+            <a:ext cx="4968239" cy="2982467"/>
+          </a:xfrm>
+          <a:prstGeom prst="rect">
+            <a:avLst/>
+          </a:prstGeom>
+          <a:blipFill>
+            <a:blip r:embed="rId3" cstate="print"/>
+            <a:stretch>
+              <a:fillRect/>
+            </a:stretch>
+          </a:blipFill>
+        </p:spPr>
+        <p:txBody>
+          <a:bodyPr wrap="square" lIns="0" tIns="0" rIns="0" bIns="0" rtlCol="0"/>
+          <a:lstStyle/>
+          <a:p>
+            <a:endParaRPr/>
+          </a:p>
+        </p:txBody>
+      </p:sp>
+      <p:sp>
+        <p:nvSpPr>
+          <p:cNvPr id="6" name="object 6"/>
+          <p:cNvSpPr/>
+          <p:nvPr/>
+        </p:nvSpPr>
+        <p:spPr>
+          <a:xfrm>
+            <a:off x="4575047" y="3288791"/>
+            <a:ext cx="1905" cy="0"/>
+          </a:xfrm>
+          <a:custGeom>
+            <a:avLst/>
+            <a:gdLst/>
+            <a:ahLst/>
+            <a:cxnLst/>
+            <a:rect l="l" t="t" r="r" b="b"/>
+            <a:pathLst>
+              <a:path w="1904">
+                <a:moveTo>
+                  <a:pt x="0" y="0"/>
+                </a:moveTo>
+                <a:lnTo>
+                  <a:pt x="1524" y="0"/>
+                </a:lnTo>
+              </a:path>
+            </a:pathLst>
+          </a:custGeom>
+          <a:ln w="3175">
+            <a:solidFill>
+              <a:srgbClr val="F69220"/>
+            </a:solidFill>
+          </a:ln>
+        </p:spPr>
+        <p:txBody>
+          <a:bodyPr wrap="square" lIns="0" tIns="0" rIns="0" bIns="0" rtlCol="0"/>
+          <a:lstStyle/>
+          <a:p>
+            <a:endParaRPr/>
+          </a:p>
+        </p:txBody>
+      </p:sp>
+      <p:sp>
+        <p:nvSpPr>
+          <p:cNvPr id="7" name="object 7"/>
+          <p:cNvSpPr txBox="1">
+            <a:spLocks noGrp="1"/>
+          </p:cNvSpPr>
+          <p:nvPr>
+            <p:ph type="title"/>
+          </p:nvPr>
+        </p:nvSpPr>
+        <p:spPr>
+          <a:xfrm>
+            <a:off x="3036823" y="2302972"/>
+            <a:ext cx="3070860" cy="533400"/>
+          </a:xfrm>
+          <a:prstGeom prst="rect">
+            <a:avLst/>
+          </a:prstGeom>
+        </p:spPr>
+        <p:txBody>
+          <a:bodyPr vert="horz" wrap="square" lIns="0" tIns="0" rIns="0" bIns="0" rtlCol="0">
+            <a:spAutoFit/>
+          </a:bodyPr>
+          <a:lstStyle/>
+          <a:p>
+            <a:pPr marL="12700">
+              <a:lnSpc>
+                <a:spcPct val="100000"/>
+              </a:lnSpc>
+            </a:pPr>
+            <a:r>
+              <a:rPr spc="-5" dirty="0">
+                <a:latin typeface="Arial Unicode MS"/>
+                <a:cs typeface="Arial Unicode MS"/>
+              </a:rPr>
+              <a:t>程序计时应用</a:t>
+            </a:r>
+          </a:p>
+        </p:txBody>
+      </p:sp>
+    </p:spTree>
+  </p:cSld>
+  <p:clrMapOvr>
+    <a:masterClrMapping/>
+  </p:clrMapOvr>
+</p:sld>
+</file>
+
 <file path=ppt/slides/slide4.xml><?xml version="1.0" encoding="utf-8"?>
 <p:sld xmlns:a="http://schemas.openxmlformats.org/drawingml/2006/main" xmlns:r="http://schemas.openxmlformats.org/officeDocument/2006/relationships" xmlns:p="http://schemas.openxmlformats.org/presentationml/2006/main">
   <p:cSld>
@@ -39735,171 +39332,6 @@
       </p:grpSpPr>
       <p:sp>
         <p:nvSpPr>
-          <p:cNvPr id="3" name="object 3"/>
-          <p:cNvSpPr/>
-          <p:nvPr/>
-        </p:nvSpPr>
-        <p:spPr>
-          <a:xfrm>
-            <a:off x="3108753" y="1779423"/>
-            <a:ext cx="3638062" cy="1634611"/>
-          </a:xfrm>
-          <a:prstGeom prst="rect">
-            <a:avLst/>
-          </a:prstGeom>
-          <a:blipFill>
-            <a:blip r:embed="rId2" cstate="print"/>
-            <a:stretch>
-              <a:fillRect/>
-            </a:stretch>
-          </a:blipFill>
-        </p:spPr>
-        <p:txBody>
-          <a:bodyPr wrap="square" lIns="0" tIns="0" rIns="0" bIns="0" rtlCol="0"/>
-          <a:lstStyle/>
-          <a:p>
-            <a:endParaRPr/>
-          </a:p>
-        </p:txBody>
-      </p:sp>
-      <p:sp>
-        <p:nvSpPr>
-          <p:cNvPr id="5" name="object 5"/>
-          <p:cNvSpPr/>
-          <p:nvPr/>
-        </p:nvSpPr>
-        <p:spPr>
-          <a:xfrm>
-            <a:off x="1908048" y="1059180"/>
-            <a:ext cx="4968239" cy="2982467"/>
-          </a:xfrm>
-          <a:prstGeom prst="rect">
-            <a:avLst/>
-          </a:prstGeom>
-          <a:blipFill>
-            <a:blip r:embed="rId3" cstate="print"/>
-            <a:stretch>
-              <a:fillRect/>
-            </a:stretch>
-          </a:blipFill>
-        </p:spPr>
-        <p:txBody>
-          <a:bodyPr wrap="square" lIns="0" tIns="0" rIns="0" bIns="0" rtlCol="0"/>
-          <a:lstStyle/>
-          <a:p>
-            <a:endParaRPr/>
-          </a:p>
-        </p:txBody>
-      </p:sp>
-      <p:sp>
-        <p:nvSpPr>
-          <p:cNvPr id="6" name="object 6"/>
-          <p:cNvSpPr/>
-          <p:nvPr/>
-        </p:nvSpPr>
-        <p:spPr>
-          <a:xfrm>
-            <a:off x="4575047" y="3288791"/>
-            <a:ext cx="1905" cy="0"/>
-          </a:xfrm>
-          <a:custGeom>
-            <a:avLst/>
-            <a:gdLst/>
-            <a:ahLst/>
-            <a:cxnLst/>
-            <a:rect l="l" t="t" r="r" b="b"/>
-            <a:pathLst>
-              <a:path w="1904">
-                <a:moveTo>
-                  <a:pt x="0" y="0"/>
-                </a:moveTo>
-                <a:lnTo>
-                  <a:pt x="1524" y="0"/>
-                </a:lnTo>
-              </a:path>
-            </a:pathLst>
-          </a:custGeom>
-          <a:ln w="3175">
-            <a:solidFill>
-              <a:srgbClr val="F69220"/>
-            </a:solidFill>
-          </a:ln>
-        </p:spPr>
-        <p:txBody>
-          <a:bodyPr wrap="square" lIns="0" tIns="0" rIns="0" bIns="0" rtlCol="0"/>
-          <a:lstStyle/>
-          <a:p>
-            <a:endParaRPr/>
-          </a:p>
-        </p:txBody>
-      </p:sp>
-      <p:sp>
-        <p:nvSpPr>
-          <p:cNvPr id="7" name="object 7"/>
-          <p:cNvSpPr txBox="1">
-            <a:spLocks noGrp="1"/>
-          </p:cNvSpPr>
-          <p:nvPr>
-            <p:ph type="title"/>
-          </p:nvPr>
-        </p:nvSpPr>
-        <p:spPr>
-          <a:xfrm>
-            <a:off x="3036823" y="2302972"/>
-            <a:ext cx="3070860" cy="533400"/>
-          </a:xfrm>
-          <a:prstGeom prst="rect">
-            <a:avLst/>
-          </a:prstGeom>
-        </p:spPr>
-        <p:txBody>
-          <a:bodyPr vert="horz" wrap="square" lIns="0" tIns="0" rIns="0" bIns="0" rtlCol="0">
-            <a:spAutoFit/>
-          </a:bodyPr>
-          <a:lstStyle/>
-          <a:p>
-            <a:pPr marL="12700">
-              <a:lnSpc>
-                <a:spcPct val="100000"/>
-              </a:lnSpc>
-            </a:pPr>
-            <a:r>
-              <a:rPr spc="-5" dirty="0">
-                <a:latin typeface="Arial Unicode MS"/>
-                <a:cs typeface="Arial Unicode MS"/>
-              </a:rPr>
-              <a:t>程序计时应用</a:t>
-            </a:r>
-          </a:p>
-        </p:txBody>
-      </p:sp>
-    </p:spTree>
-  </p:cSld>
-  <p:clrMapOvr>
-    <a:masterClrMapping/>
-  </p:clrMapOvr>
-</p:sld>
-</file>
-
-<file path=ppt/slides/slide41.xml><?xml version="1.0" encoding="utf-8"?>
-<p:sld xmlns:a="http://schemas.openxmlformats.org/drawingml/2006/main" xmlns:r="http://schemas.openxmlformats.org/officeDocument/2006/relationships" xmlns:p="http://schemas.openxmlformats.org/presentationml/2006/main">
-  <p:cSld>
-    <p:spTree>
-      <p:nvGrpSpPr>
-        <p:cNvPr id="1" name=""/>
-        <p:cNvGrpSpPr/>
-        <p:nvPr/>
-      </p:nvGrpSpPr>
-      <p:grpSpPr>
-        <a:xfrm>
-          <a:off x="0" y="0"/>
-          <a:ext cx="0" cy="0"/>
-          <a:chOff x="0" y="0"/>
-          <a:chExt cx="0" cy="0"/>
-        </a:xfrm>
-      </p:grpSpPr>
-      <p:sp>
-        <p:nvSpPr>
           <p:cNvPr id="2" name="object 2"/>
           <p:cNvSpPr/>
           <p:nvPr/>
@@ -40322,7 +39754,7 @@
 </p:sld>
 </file>
 
-<file path=ppt/slides/slide42.xml><?xml version="1.0" encoding="utf-8"?>
+<file path=ppt/slides/slide41.xml><?xml version="1.0" encoding="utf-8"?>
 <p:sld xmlns:a="http://schemas.openxmlformats.org/drawingml/2006/main" xmlns:r="http://schemas.openxmlformats.org/officeDocument/2006/relationships" xmlns:p="http://schemas.openxmlformats.org/presentationml/2006/main">
   <p:cSld>
     <p:spTree>
@@ -41280,7 +40712,7 @@
 </p:sld>
 </file>
 
-<file path=ppt/slides/slide43.xml><?xml version="1.0" encoding="utf-8"?>
+<file path=ppt/slides/slide42.xml><?xml version="1.0" encoding="utf-8"?>
 <p:sld xmlns:a="http://schemas.openxmlformats.org/drawingml/2006/main" xmlns:r="http://schemas.openxmlformats.org/officeDocument/2006/relationships" xmlns:p="http://schemas.openxmlformats.org/presentationml/2006/main">
   <p:cSld>
     <p:spTree>
@@ -41899,172 +41331,7 @@
 </p:sld>
 </file>
 
-<file path=ppt/slides/slide44.xml><?xml version="1.0" encoding="utf-8"?>
-<p:sld xmlns:a="http://schemas.openxmlformats.org/drawingml/2006/main" xmlns:r="http://schemas.openxmlformats.org/officeDocument/2006/relationships" xmlns:p="http://schemas.openxmlformats.org/presentationml/2006/main">
-  <p:cSld>
-    <p:spTree>
-      <p:nvGrpSpPr>
-        <p:cNvPr id="1" name=""/>
-        <p:cNvGrpSpPr/>
-        <p:nvPr/>
-      </p:nvGrpSpPr>
-      <p:grpSpPr>
-        <a:xfrm>
-          <a:off x="0" y="0"/>
-          <a:ext cx="0" cy="0"/>
-          <a:chOff x="0" y="0"/>
-          <a:chExt cx="0" cy="0"/>
-        </a:xfrm>
-      </p:grpSpPr>
-      <p:sp>
-        <p:nvSpPr>
-          <p:cNvPr id="3" name="object 3"/>
-          <p:cNvSpPr/>
-          <p:nvPr/>
-        </p:nvSpPr>
-        <p:spPr>
-          <a:xfrm>
-            <a:off x="3007692" y="1855623"/>
-            <a:ext cx="3638060" cy="1634611"/>
-          </a:xfrm>
-          <a:prstGeom prst="rect">
-            <a:avLst/>
-          </a:prstGeom>
-          <a:blipFill>
-            <a:blip r:embed="rId2" cstate="print"/>
-            <a:stretch>
-              <a:fillRect/>
-            </a:stretch>
-          </a:blipFill>
-        </p:spPr>
-        <p:txBody>
-          <a:bodyPr wrap="square" lIns="0" tIns="0" rIns="0" bIns="0" rtlCol="0"/>
-          <a:lstStyle/>
-          <a:p>
-            <a:endParaRPr/>
-          </a:p>
-        </p:txBody>
-      </p:sp>
-      <p:sp>
-        <p:nvSpPr>
-          <p:cNvPr id="5" name="object 5"/>
-          <p:cNvSpPr/>
-          <p:nvPr/>
-        </p:nvSpPr>
-        <p:spPr>
-          <a:xfrm>
-            <a:off x="1908048" y="1059180"/>
-            <a:ext cx="4968239" cy="2982467"/>
-          </a:xfrm>
-          <a:prstGeom prst="rect">
-            <a:avLst/>
-          </a:prstGeom>
-          <a:blipFill>
-            <a:blip r:embed="rId3" cstate="print"/>
-            <a:stretch>
-              <a:fillRect/>
-            </a:stretch>
-          </a:blipFill>
-        </p:spPr>
-        <p:txBody>
-          <a:bodyPr wrap="square" lIns="0" tIns="0" rIns="0" bIns="0" rtlCol="0"/>
-          <a:lstStyle/>
-          <a:p>
-            <a:endParaRPr/>
-          </a:p>
-        </p:txBody>
-      </p:sp>
-      <p:sp>
-        <p:nvSpPr>
-          <p:cNvPr id="6" name="object 6"/>
-          <p:cNvSpPr/>
-          <p:nvPr/>
-        </p:nvSpPr>
-        <p:spPr>
-          <a:xfrm>
-            <a:off x="4575047" y="3288791"/>
-            <a:ext cx="1905" cy="0"/>
-          </a:xfrm>
-          <a:custGeom>
-            <a:avLst/>
-            <a:gdLst/>
-            <a:ahLst/>
-            <a:cxnLst/>
-            <a:rect l="l" t="t" r="r" b="b"/>
-            <a:pathLst>
-              <a:path w="1904">
-                <a:moveTo>
-                  <a:pt x="0" y="0"/>
-                </a:moveTo>
-                <a:lnTo>
-                  <a:pt x="1524" y="0"/>
-                </a:lnTo>
-              </a:path>
-            </a:pathLst>
-          </a:custGeom>
-          <a:ln w="3175">
-            <a:solidFill>
-              <a:srgbClr val="F69220"/>
-            </a:solidFill>
-          </a:ln>
-        </p:spPr>
-        <p:txBody>
-          <a:bodyPr wrap="square" lIns="0" tIns="0" rIns="0" bIns="0" rtlCol="0"/>
-          <a:lstStyle/>
-          <a:p>
-            <a:endParaRPr/>
-          </a:p>
-        </p:txBody>
-      </p:sp>
-      <p:sp>
-        <p:nvSpPr>
-          <p:cNvPr id="7" name="object 7"/>
-          <p:cNvSpPr txBox="1"/>
-          <p:nvPr/>
-        </p:nvSpPr>
-        <p:spPr>
-          <a:xfrm>
-            <a:off x="3797300" y="2302972"/>
-            <a:ext cx="1548130" cy="533400"/>
-          </a:xfrm>
-          <a:prstGeom prst="rect">
-            <a:avLst/>
-          </a:prstGeom>
-        </p:spPr>
-        <p:txBody>
-          <a:bodyPr vert="horz" wrap="square" lIns="0" tIns="0" rIns="0" bIns="0" rtlCol="0">
-            <a:spAutoFit/>
-          </a:bodyPr>
-          <a:lstStyle/>
-          <a:p>
-            <a:pPr marL="12700">
-              <a:lnSpc>
-                <a:spcPct val="100000"/>
-              </a:lnSpc>
-            </a:pPr>
-            <a:r>
-              <a:rPr sz="4000" spc="-5" dirty="0">
-                <a:latin typeface="Arial Unicode MS"/>
-                <a:cs typeface="Arial Unicode MS"/>
-              </a:rPr>
-              <a:t>小花絮</a:t>
-            </a:r>
-            <a:endParaRPr sz="4000">
-              <a:latin typeface="Arial Unicode MS"/>
-              <a:cs typeface="Arial Unicode MS"/>
-            </a:endParaRPr>
-          </a:p>
-        </p:txBody>
-      </p:sp>
-    </p:spTree>
-  </p:cSld>
-  <p:clrMapOvr>
-    <a:masterClrMapping/>
-  </p:clrMapOvr>
-</p:sld>
-</file>
-
-<file path=ppt/slides/slide45.xml><?xml version="1.0" encoding="utf-8"?>
+<file path=ppt/slides/slide43.xml><?xml version="1.0" encoding="utf-8"?>
 <p:sld xmlns:a="http://schemas.openxmlformats.org/drawingml/2006/main" xmlns:r="http://schemas.openxmlformats.org/officeDocument/2006/relationships" xmlns:p="http://schemas.openxmlformats.org/presentationml/2006/main">
   <p:cSld>
     <p:spTree>
@@ -43982,7 +43249,7 @@
         <p:spPr>
           <a:xfrm>
             <a:off x="3247727" y="1383765"/>
-            <a:ext cx="3586479" cy="2800767"/>
+            <a:ext cx="3586479" cy="2462213"/>
           </a:xfrm>
           <a:prstGeom prst="rect">
             <a:avLst/>
@@ -44253,7 +43520,7 @@
               <a:t>3</a:t>
             </a:r>
             <a:r>
-              <a:rPr sz="2200" b="1" spc="50" dirty="0">
+              <a:rPr lang="zh-CN" altLang="en-US" sz="2200" b="1" spc="130" dirty="0">
                 <a:solidFill>
                   <a:srgbClr val="007EDE"/>
                 </a:solidFill>
@@ -44263,11 +43530,11 @@
               <a:t> </a:t>
             </a:r>
             <a:r>
-              <a:rPr sz="2200" b="1" spc="-5" dirty="0">
-                <a:latin typeface="Heiti SC"/>
-                <a:cs typeface="Heiti SC"/>
-              </a:rPr>
-              <a:t>字符串类型及操作</a:t>
+              <a:rPr lang="zh-CN" altLang="en-US" sz="2200" b="1" spc="-5" dirty="0">
+                <a:latin typeface="Heiti SC Medium" pitchFamily="2" charset="-128"/>
+                <a:ea typeface="Heiti SC Medium" pitchFamily="2" charset="-128"/>
+              </a:rPr>
+              <a:t>字符串类型的格式化</a:t>
             </a:r>
             <a:endParaRPr sz="2200" dirty="0">
               <a:latin typeface="Heiti SC"/>
@@ -44359,7 +43626,35 @@
                 <a:latin typeface="Heiti SC Medium" pitchFamily="2" charset="-128"/>
                 <a:ea typeface="Heiti SC Medium" pitchFamily="2" charset="-128"/>
               </a:rPr>
-              <a:t>字符串类型的格式化</a:t>
+              <a:t>模块</a:t>
+            </a:r>
+            <a:r>
+              <a:rPr lang="en-US" altLang="zh-CN" sz="2200" b="1" spc="-5" dirty="0">
+                <a:latin typeface="Heiti SC Medium" pitchFamily="2" charset="-128"/>
+                <a:ea typeface="Heiti SC Medium" pitchFamily="2" charset="-128"/>
+              </a:rPr>
+              <a:t>:</a:t>
+            </a:r>
+            <a:r>
+              <a:rPr lang="zh-CN" altLang="en-US" sz="2200" b="1" spc="-5" dirty="0">
+                <a:latin typeface="Heiti SC Medium" pitchFamily="2" charset="-128"/>
+                <a:ea typeface="Heiti SC Medium" pitchFamily="2" charset="-128"/>
+              </a:rPr>
+              <a:t> </a:t>
+            </a:r>
+            <a:r>
+              <a:rPr lang="en-US" altLang="zh-CN" sz="2200" b="1" spc="-5" dirty="0">
+                <a:latin typeface="Heiti SC Medium" pitchFamily="2" charset="-128"/>
+                <a:ea typeface="Heiti SC Medium" pitchFamily="2" charset="-128"/>
+              </a:rPr>
+              <a:t>math</a:t>
+            </a:r>
+            <a:r>
+              <a:rPr lang="zh-CN" altLang="en-US" sz="2200" b="1" spc="-5" dirty="0">
+                <a:latin typeface="Heiti SC Medium" pitchFamily="2" charset="-128"/>
+                <a:ea typeface="Heiti SC Medium" pitchFamily="2" charset="-128"/>
+              </a:rPr>
+              <a:t>库的使用</a:t>
             </a:r>
             <a:endParaRPr sz="2200" b="1" spc="-5" dirty="0">
               <a:latin typeface="Heiti SC Medium" pitchFamily="2" charset="-128"/>
@@ -44378,112 +43673,6 @@
             <a:endParaRPr sz="1800" dirty="0">
               <a:latin typeface="Times New Roman"/>
               <a:cs typeface="Times New Roman"/>
-            </a:endParaRPr>
-          </a:p>
-          <a:p>
-            <a:pPr marL="13335">
-              <a:lnSpc>
-                <a:spcPct val="100000"/>
-              </a:lnSpc>
-            </a:pPr>
-            <a:r>
-              <a:rPr sz="2200" b="1" spc="225" dirty="0">
-                <a:solidFill>
-                  <a:srgbClr val="007EDE"/>
-                </a:solidFill>
-                <a:latin typeface="Arial"/>
-                <a:cs typeface="Arial"/>
-              </a:rPr>
-              <a:t>-</a:t>
-            </a:r>
-            <a:r>
-              <a:rPr sz="2200" b="1" spc="50" dirty="0">
-                <a:solidFill>
-                  <a:srgbClr val="007EDE"/>
-                </a:solidFill>
-                <a:latin typeface="Arial"/>
-                <a:cs typeface="Arial"/>
-              </a:rPr>
-              <a:t> </a:t>
-            </a:r>
-            <a:r>
-              <a:rPr sz="2200" b="1" spc="130" dirty="0">
-                <a:solidFill>
-                  <a:srgbClr val="007EDE"/>
-                </a:solidFill>
-                <a:latin typeface="Arial"/>
-                <a:cs typeface="Arial"/>
-              </a:rPr>
-              <a:t>3</a:t>
-            </a:r>
-            <a:r>
-              <a:rPr sz="2200" b="1" spc="10" dirty="0">
-                <a:solidFill>
-                  <a:srgbClr val="007EDE"/>
-                </a:solidFill>
-                <a:latin typeface="Arial"/>
-                <a:cs typeface="Arial"/>
-              </a:rPr>
-              <a:t>.</a:t>
-            </a:r>
-            <a:r>
-              <a:rPr sz="2200" b="1" spc="130" dirty="0">
-                <a:solidFill>
-                  <a:srgbClr val="007EDE"/>
-                </a:solidFill>
-                <a:latin typeface="Arial"/>
-                <a:cs typeface="Arial"/>
-              </a:rPr>
-              <a:t>5</a:t>
-            </a:r>
-            <a:r>
-              <a:rPr lang="zh-CN" altLang="en-US" sz="2200" b="1" spc="130" dirty="0">
-                <a:solidFill>
-                  <a:srgbClr val="007EDE"/>
-                </a:solidFill>
-                <a:latin typeface="Arial"/>
-                <a:cs typeface="Arial"/>
-              </a:rPr>
-              <a:t> </a:t>
-            </a:r>
-            <a:r>
-              <a:rPr lang="zh-CN" altLang="en-US" sz="2200" b="1" spc="-5" dirty="0">
-                <a:latin typeface="Heiti SC Medium" pitchFamily="2" charset="-128"/>
-                <a:ea typeface="Heiti SC Medium" pitchFamily="2" charset="-128"/>
-              </a:rPr>
-              <a:t>模块</a:t>
-            </a:r>
-            <a:r>
-              <a:rPr lang="en-US" altLang="zh-CN" sz="2200" b="1" spc="-5" dirty="0">
-                <a:latin typeface="Heiti SC Medium" pitchFamily="2" charset="-128"/>
-                <a:ea typeface="Heiti SC Medium" pitchFamily="2" charset="-128"/>
-              </a:rPr>
-              <a:t>:</a:t>
-            </a:r>
-            <a:r>
-              <a:rPr lang="zh-CN" altLang="en-US" sz="2200" b="1" spc="-5" dirty="0">
-                <a:latin typeface="Heiti SC Medium" pitchFamily="2" charset="-128"/>
-                <a:ea typeface="Heiti SC Medium" pitchFamily="2" charset="-128"/>
-              </a:rPr>
-              <a:t> </a:t>
-            </a:r>
-            <a:r>
-              <a:rPr lang="en-US" altLang="zh-CN" sz="2200" b="1" spc="-5" dirty="0">
-                <a:latin typeface="Heiti SC Medium" pitchFamily="2" charset="-128"/>
-                <a:ea typeface="Heiti SC Medium" pitchFamily="2" charset="-128"/>
-              </a:rPr>
-              <a:t>math</a:t>
-            </a:r>
-            <a:r>
-              <a:rPr lang="zh-CN" altLang="en-US" sz="2200" b="1" spc="-5" dirty="0">
-                <a:latin typeface="Heiti SC Medium" pitchFamily="2" charset="-128"/>
-                <a:ea typeface="Heiti SC Medium" pitchFamily="2" charset="-128"/>
-              </a:rPr>
-              <a:t>库的使用</a:t>
-            </a:r>
-            <a:endParaRPr sz="2200" b="1" spc="-5" dirty="0">
-              <a:latin typeface="Heiti SC Medium" pitchFamily="2" charset="-128"/>
-              <a:ea typeface="Heiti SC Medium" pitchFamily="2" charset="-128"/>
             </a:endParaRPr>
           </a:p>
         </p:txBody>

--- a/3.基本数据类型/3.基本数据类型.pptx
+++ b/3.基本数据类型/3.基本数据类型.pptx
@@ -250,7 +250,7 @@
           <a:p>
             <a:fld id="{5DFB9D2E-974D-8045-B328-192FF5B07E96}" type="datetimeFigureOut">
               <a:rPr kumimoji="1" lang="zh-CN" altLang="en-US" smtClean="0"/>
-              <a:t>2020/10/5</a:t>
+              <a:t>2020/10/13</a:t>
             </a:fld>
             <a:endParaRPr kumimoji="1" lang="zh-CN" altLang="en-US"/>
           </a:p>
@@ -656,6 +656,174 @@
 </p:notes>
 </file>
 
+<file path=ppt/notesSlides/notesSlide10.xml><?xml version="1.0" encoding="utf-8"?>
+<p:notes xmlns:a="http://schemas.openxmlformats.org/drawingml/2006/main" xmlns:r="http://schemas.openxmlformats.org/officeDocument/2006/relationships" xmlns:p="http://schemas.openxmlformats.org/presentationml/2006/main">
+  <p:cSld>
+    <p:spTree>
+      <p:nvGrpSpPr>
+        <p:cNvPr id="1" name=""/>
+        <p:cNvGrpSpPr/>
+        <p:nvPr/>
+      </p:nvGrpSpPr>
+      <p:grpSpPr>
+        <a:xfrm>
+          <a:off x="0" y="0"/>
+          <a:ext cx="0" cy="0"/>
+          <a:chOff x="0" y="0"/>
+          <a:chExt cx="0" cy="0"/>
+        </a:xfrm>
+      </p:grpSpPr>
+      <p:sp>
+        <p:nvSpPr>
+          <p:cNvPr id="2" name="幻灯片图像占位符 1"/>
+          <p:cNvSpPr>
+            <a:spLocks noGrp="1" noRot="1" noChangeAspect="1"/>
+          </p:cNvSpPr>
+          <p:nvPr>
+            <p:ph type="sldImg"/>
+          </p:nvPr>
+        </p:nvSpPr>
+        <p:spPr/>
+      </p:sp>
+      <p:sp>
+        <p:nvSpPr>
+          <p:cNvPr id="3" name="备注占位符 2"/>
+          <p:cNvSpPr>
+            <a:spLocks noGrp="1"/>
+          </p:cNvSpPr>
+          <p:nvPr>
+            <p:ph type="body" idx="1"/>
+          </p:nvPr>
+        </p:nvSpPr>
+        <p:spPr/>
+        <p:txBody>
+          <a:bodyPr/>
+          <a:lstStyle/>
+          <a:p>
+            <a:endParaRPr kumimoji="1" lang="zh-CN" altLang="en-US" dirty="0"/>
+          </a:p>
+        </p:txBody>
+      </p:sp>
+      <p:sp>
+        <p:nvSpPr>
+          <p:cNvPr id="4" name="灯片编号占位符 3"/>
+          <p:cNvSpPr>
+            <a:spLocks noGrp="1"/>
+          </p:cNvSpPr>
+          <p:nvPr>
+            <p:ph type="sldNum" sz="quarter" idx="5"/>
+          </p:nvPr>
+        </p:nvSpPr>
+        <p:spPr/>
+        <p:txBody>
+          <a:bodyPr/>
+          <a:lstStyle/>
+          <a:p>
+            <a:fld id="{DE96BC0C-342F-3F43-BB67-DA15D79BB058}" type="slidenum">
+              <a:rPr kumimoji="1" lang="zh-CN" altLang="en-US" smtClean="0"/>
+              <a:t>25</a:t>
+            </a:fld>
+            <a:endParaRPr kumimoji="1" lang="zh-CN" altLang="en-US"/>
+          </a:p>
+        </p:txBody>
+      </p:sp>
+    </p:spTree>
+    <p:extLst>
+      <p:ext uri="{BB962C8B-B14F-4D97-AF65-F5344CB8AC3E}">
+        <p14:creationId xmlns:p14="http://schemas.microsoft.com/office/powerpoint/2010/main" val="3499670206"/>
+      </p:ext>
+    </p:extLst>
+  </p:cSld>
+  <p:clrMapOvr>
+    <a:masterClrMapping/>
+  </p:clrMapOvr>
+</p:notes>
+</file>
+
+<file path=ppt/notesSlides/notesSlide11.xml><?xml version="1.0" encoding="utf-8"?>
+<p:notes xmlns:a="http://schemas.openxmlformats.org/drawingml/2006/main" xmlns:r="http://schemas.openxmlformats.org/officeDocument/2006/relationships" xmlns:p="http://schemas.openxmlformats.org/presentationml/2006/main">
+  <p:cSld>
+    <p:spTree>
+      <p:nvGrpSpPr>
+        <p:cNvPr id="1" name=""/>
+        <p:cNvGrpSpPr/>
+        <p:nvPr/>
+      </p:nvGrpSpPr>
+      <p:grpSpPr>
+        <a:xfrm>
+          <a:off x="0" y="0"/>
+          <a:ext cx="0" cy="0"/>
+          <a:chOff x="0" y="0"/>
+          <a:chExt cx="0" cy="0"/>
+        </a:xfrm>
+      </p:grpSpPr>
+      <p:sp>
+        <p:nvSpPr>
+          <p:cNvPr id="2" name="幻灯片图像占位符 1"/>
+          <p:cNvSpPr>
+            <a:spLocks noGrp="1" noRot="1" noChangeAspect="1"/>
+          </p:cNvSpPr>
+          <p:nvPr>
+            <p:ph type="sldImg"/>
+          </p:nvPr>
+        </p:nvSpPr>
+        <p:spPr/>
+      </p:sp>
+      <p:sp>
+        <p:nvSpPr>
+          <p:cNvPr id="3" name="备注占位符 2"/>
+          <p:cNvSpPr>
+            <a:spLocks noGrp="1"/>
+          </p:cNvSpPr>
+          <p:nvPr>
+            <p:ph type="body" idx="1"/>
+          </p:nvPr>
+        </p:nvSpPr>
+        <p:spPr/>
+        <p:txBody>
+          <a:bodyPr/>
+          <a:lstStyle/>
+          <a:p>
+            <a:endParaRPr kumimoji="1" lang="zh-CN" altLang="en-US" dirty="0"/>
+          </a:p>
+        </p:txBody>
+      </p:sp>
+      <p:sp>
+        <p:nvSpPr>
+          <p:cNvPr id="4" name="灯片编号占位符 3"/>
+          <p:cNvSpPr>
+            <a:spLocks noGrp="1"/>
+          </p:cNvSpPr>
+          <p:nvPr>
+            <p:ph type="sldNum" sz="quarter" idx="5"/>
+          </p:nvPr>
+        </p:nvSpPr>
+        <p:spPr/>
+        <p:txBody>
+          <a:bodyPr/>
+          <a:lstStyle/>
+          <a:p>
+            <a:fld id="{DE96BC0C-342F-3F43-BB67-DA15D79BB058}" type="slidenum">
+              <a:rPr kumimoji="1" lang="zh-CN" altLang="en-US" smtClean="0"/>
+              <a:t>26</a:t>
+            </a:fld>
+            <a:endParaRPr kumimoji="1" lang="zh-CN" altLang="en-US"/>
+          </a:p>
+        </p:txBody>
+      </p:sp>
+    </p:spTree>
+    <p:extLst>
+      <p:ext uri="{BB962C8B-B14F-4D97-AF65-F5344CB8AC3E}">
+        <p14:creationId xmlns:p14="http://schemas.microsoft.com/office/powerpoint/2010/main" val="4207015918"/>
+      </p:ext>
+    </p:extLst>
+  </p:cSld>
+  <p:clrMapOvr>
+    <a:masterClrMapping/>
+  </p:clrMapOvr>
+</p:notes>
+</file>
+
 <file path=ppt/notesSlides/notesSlide2.xml><?xml version="1.0" encoding="utf-8"?>
 <p:notes xmlns:a="http://schemas.openxmlformats.org/drawingml/2006/main" xmlns:r="http://schemas.openxmlformats.org/officeDocument/2006/relationships" xmlns:p="http://schemas.openxmlformats.org/presentationml/2006/main">
   <p:cSld>
@@ -1689,6 +1857,10 @@
           </a:p>
           <a:p>
             <a:r>
+              <a:rPr kumimoji="1" lang="en-US" altLang="zh-CN" dirty="0"/>
+              <a:t>1.</a:t>
+            </a:r>
+            <a:r>
               <a:rPr kumimoji="1" lang="zh-CN" altLang="en-US" dirty="0"/>
               <a:t>常用字符串处理函数：</a:t>
             </a:r>
@@ -2762,7 +2934,7 @@
           <a:p>
             <a:fld id="{DE96BC0C-342F-3F43-BB67-DA15D79BB058}" type="slidenum">
               <a:rPr kumimoji="1" lang="zh-CN" altLang="en-US" smtClean="0"/>
-              <a:t>22</a:t>
+              <a:t>19</a:t>
             </a:fld>
             <a:endParaRPr kumimoji="1" lang="zh-CN" altLang="en-US"/>
           </a:p>
@@ -2771,7 +2943,7 @@
     </p:spTree>
     <p:extLst>
       <p:ext uri="{BB962C8B-B14F-4D97-AF65-F5344CB8AC3E}">
-        <p14:creationId xmlns:p14="http://schemas.microsoft.com/office/powerpoint/2010/main" val="717665770"/>
+        <p14:creationId xmlns:p14="http://schemas.microsoft.com/office/powerpoint/2010/main" val="2974096135"/>
       </p:ext>
     </p:extLst>
   </p:cSld>
@@ -2846,7 +3018,7 @@
           <a:p>
             <a:fld id="{DE96BC0C-342F-3F43-BB67-DA15D79BB058}" type="slidenum">
               <a:rPr kumimoji="1" lang="zh-CN" altLang="en-US" smtClean="0"/>
-              <a:t>24</a:t>
+              <a:t>22</a:t>
             </a:fld>
             <a:endParaRPr kumimoji="1" lang="zh-CN" altLang="en-US"/>
           </a:p>
@@ -2855,7 +3027,7 @@
     </p:spTree>
     <p:extLst>
       <p:ext uri="{BB962C8B-B14F-4D97-AF65-F5344CB8AC3E}">
-        <p14:creationId xmlns:p14="http://schemas.microsoft.com/office/powerpoint/2010/main" val="1401652537"/>
+        <p14:creationId xmlns:p14="http://schemas.microsoft.com/office/powerpoint/2010/main" val="717665770"/>
       </p:ext>
     </p:extLst>
   </p:cSld>
@@ -2930,7 +3102,7 @@
           <a:p>
             <a:fld id="{DE96BC0C-342F-3F43-BB67-DA15D79BB058}" type="slidenum">
               <a:rPr kumimoji="1" lang="zh-CN" altLang="en-US" smtClean="0"/>
-              <a:t>26</a:t>
+              <a:t>24</a:t>
             </a:fld>
             <a:endParaRPr kumimoji="1" lang="zh-CN" altLang="en-US"/>
           </a:p>
@@ -2939,7 +3111,7 @@
     </p:spTree>
     <p:extLst>
       <p:ext uri="{BB962C8B-B14F-4D97-AF65-F5344CB8AC3E}">
-        <p14:creationId xmlns:p14="http://schemas.microsoft.com/office/powerpoint/2010/main" val="4207015918"/>
+        <p14:creationId xmlns:p14="http://schemas.microsoft.com/office/powerpoint/2010/main" val="1401652537"/>
       </p:ext>
     </p:extLst>
   </p:cSld>
@@ -3088,7 +3260,7 @@
           <a:p>
             <a:fld id="{1D8BD707-D9CF-40AE-B4C6-C98DA3205C09}" type="datetimeFigureOut">
               <a:rPr lang="en-US"/>
-              <a:t>10/5/20</a:t>
+              <a:t>10/13/20</a:t>
             </a:fld>
             <a:endParaRPr lang="en-US"/>
           </a:p>
@@ -3263,7 +3435,7 @@
           <a:p>
             <a:fld id="{1D8BD707-D9CF-40AE-B4C6-C98DA3205C09}" type="datetimeFigureOut">
               <a:rPr lang="en-US"/>
-              <a:t>10/5/20</a:t>
+              <a:t>10/13/20</a:t>
             </a:fld>
             <a:endParaRPr lang="en-US"/>
           </a:p>
@@ -4330,7 +4502,7 @@
           <a:p>
             <a:fld id="{1D8BD707-D9CF-40AE-B4C6-C98DA3205C09}" type="datetimeFigureOut">
               <a:rPr lang="en-US"/>
-              <a:t>10/5/20</a:t>
+              <a:t>10/13/20</a:t>
             </a:fld>
             <a:endParaRPr lang="en-US"/>
           </a:p>
@@ -4478,7 +4650,7 @@
           <a:p>
             <a:fld id="{1D8BD707-D9CF-40AE-B4C6-C98DA3205C09}" type="datetimeFigureOut">
               <a:rPr lang="en-US"/>
-              <a:t>10/5/20</a:t>
+              <a:t>10/13/20</a:t>
             </a:fld>
             <a:endParaRPr lang="en-US"/>
           </a:p>
@@ -4597,7 +4769,7 @@
           <a:p>
             <a:fld id="{1D8BD707-D9CF-40AE-B4C6-C98DA3205C09}" type="datetimeFigureOut">
               <a:rPr lang="en-US"/>
-              <a:t>10/5/20</a:t>
+              <a:t>10/13/20</a:t>
             </a:fld>
             <a:endParaRPr lang="en-US"/>
           </a:p>
@@ -4870,7 +5042,7 @@
           <a:p>
             <a:fld id="{1D8BD707-D9CF-40AE-B4C6-C98DA3205C09}" type="datetimeFigureOut">
               <a:rPr lang="en-US"/>
-              <a:t>10/5/20</a:t>
+              <a:t>10/13/20</a:t>
             </a:fld>
             <a:endParaRPr lang="en-US"/>
           </a:p>
@@ -13148,7 +13320,7 @@
             <a:avLst/>
           </a:prstGeom>
           <a:blipFill>
-            <a:blip r:embed="rId2" cstate="print"/>
+            <a:blip r:embed="rId3" cstate="print"/>
             <a:stretch>
               <a:fillRect/>
             </a:stretch>
@@ -13177,7 +13349,7 @@
             <a:avLst/>
           </a:prstGeom>
           <a:blipFill>
-            <a:blip r:embed="rId3" cstate="print"/>
+            <a:blip r:embed="rId4" cstate="print"/>
             <a:stretch>
               <a:fillRect/>
             </a:stretch>
@@ -14440,7 +14612,7 @@
               <a:t>{	}</a:t>
             </a:r>
             <a:r>
-              <a:rPr sz="2000" dirty="0">
+              <a:rPr sz="2000" dirty="0" err="1">
                 <a:solidFill>
                   <a:srgbClr val="1DB41D"/>
                 </a:solidFill>
@@ -14450,7 +14622,7 @@
               <a:t>的</a:t>
             </a:r>
             <a:r>
-              <a:rPr sz="2000" spc="-105" dirty="0">
+              <a:rPr sz="2000" spc="-105" dirty="0" err="1">
                 <a:solidFill>
                   <a:srgbClr val="1DB41D"/>
                 </a:solidFill>
@@ -14460,7 +14632,7 @@
               <a:t>C</a:t>
             </a:r>
             <a:r>
-              <a:rPr sz="2000" spc="-35" dirty="0">
+              <a:rPr sz="2000" spc="-35" dirty="0" err="1">
                 <a:solidFill>
                   <a:srgbClr val="1DB41D"/>
                 </a:solidFill>
@@ -14470,7 +14642,7 @@
               <a:t>P</a:t>
             </a:r>
             <a:r>
-              <a:rPr sz="2000" spc="-30" dirty="0">
+              <a:rPr sz="2000" spc="-30" dirty="0" err="1">
                 <a:solidFill>
                   <a:srgbClr val="1DB41D"/>
                 </a:solidFill>
@@ -14480,7 +14652,7 @@
               <a:t>U</a:t>
             </a:r>
             <a:r>
-              <a:rPr sz="2000" dirty="0">
+              <a:rPr sz="2000" dirty="0" err="1">
                 <a:solidFill>
                   <a:srgbClr val="1DB41D"/>
                 </a:solidFill>
@@ -14490,7 +14662,7 @@
               <a:t>占用率</a:t>
             </a:r>
             <a:r>
-              <a:rPr sz="2000" spc="-15" dirty="0">
+              <a:rPr sz="2000" spc="-15" dirty="0" err="1">
                 <a:solidFill>
                   <a:srgbClr val="1DB41D"/>
                 </a:solidFill>
@@ -14510,7 +14682,7 @@
               <a:t>{</a:t>
             </a:r>
             <a:r>
-              <a:rPr sz="2000" b="1" dirty="0">
+              <a:rPr lang="zh-CN" altLang="en-US" sz="2000" b="1" dirty="0">
                 <a:solidFill>
                   <a:srgbClr val="1DB41D"/>
                 </a:solidFill>
@@ -14540,7 +14712,7 @@
               <a:t>%</a:t>
             </a:r>
             <a:r>
-              <a:rPr sz="2000" b="1" spc="280" dirty="0">
+              <a:rPr lang="en-US" altLang="zh-CN" sz="2000" b="1" spc="280" dirty="0">
                 <a:solidFill>
                   <a:srgbClr val="1DB41D"/>
                 </a:solidFill>
@@ -15617,6 +15789,107 @@
               <a:latin typeface="Heiti SC"/>
               <a:cs typeface="Heiti SC"/>
             </a:endParaRPr>
+          </a:p>
+        </p:txBody>
+      </p:sp>
+      <p:sp>
+        <p:nvSpPr>
+          <p:cNvPr id="25" name="object 15">
+            <a:extLst>
+              <a:ext uri="{FF2B5EF4-FFF2-40B4-BE49-F238E27FC236}">
+                <a16:creationId xmlns:a16="http://schemas.microsoft.com/office/drawing/2014/main" id="{912D3EC7-D9F5-504C-B937-0605D43D5A93}"/>
+              </a:ext>
+            </a:extLst>
+          </p:cNvPr>
+          <p:cNvSpPr/>
+          <p:nvPr/>
+        </p:nvSpPr>
+        <p:spPr>
+          <a:xfrm>
+            <a:off x="4205527" y="2852164"/>
+            <a:ext cx="0" cy="332105"/>
+          </a:xfrm>
+          <a:custGeom>
+            <a:avLst/>
+            <a:gdLst/>
+            <a:ahLst/>
+            <a:cxnLst/>
+            <a:rect l="l" t="t" r="r" b="b"/>
+            <a:pathLst>
+              <a:path h="332105">
+                <a:moveTo>
+                  <a:pt x="0" y="331698"/>
+                </a:moveTo>
+                <a:lnTo>
+                  <a:pt x="0" y="0"/>
+                </a:lnTo>
+              </a:path>
+            </a:pathLst>
+          </a:custGeom>
+          <a:ln w="25908">
+            <a:solidFill>
+              <a:srgbClr val="006FC0"/>
+            </a:solidFill>
+          </a:ln>
+        </p:spPr>
+        <p:txBody>
+          <a:bodyPr wrap="square" lIns="0" tIns="0" rIns="0" bIns="0" rtlCol="0"/>
+          <a:lstStyle/>
+          <a:p>
+            <a:endParaRPr/>
+          </a:p>
+        </p:txBody>
+      </p:sp>
+      <p:sp>
+        <p:nvSpPr>
+          <p:cNvPr id="26" name="object 16">
+            <a:extLst>
+              <a:ext uri="{FF2B5EF4-FFF2-40B4-BE49-F238E27FC236}">
+                <a16:creationId xmlns:a16="http://schemas.microsoft.com/office/drawing/2014/main" id="{50AE5219-1CE2-6F41-AB51-15C7FF0A3029}"/>
+              </a:ext>
+            </a:extLst>
+          </p:cNvPr>
+          <p:cNvSpPr/>
+          <p:nvPr/>
+        </p:nvSpPr>
+        <p:spPr>
+          <a:xfrm>
+            <a:off x="4166671" y="2787394"/>
+            <a:ext cx="78105" cy="78105"/>
+          </a:xfrm>
+          <a:custGeom>
+            <a:avLst/>
+            <a:gdLst/>
+            <a:ahLst/>
+            <a:cxnLst/>
+            <a:rect l="l" t="t" r="r" b="b"/>
+            <a:pathLst>
+              <a:path w="78104" h="78105">
+                <a:moveTo>
+                  <a:pt x="38862" y="0"/>
+                </a:moveTo>
+                <a:lnTo>
+                  <a:pt x="0" y="77724"/>
+                </a:lnTo>
+                <a:lnTo>
+                  <a:pt x="77724" y="77724"/>
+                </a:lnTo>
+                <a:lnTo>
+                  <a:pt x="38862" y="0"/>
+                </a:lnTo>
+                <a:close/>
+              </a:path>
+            </a:pathLst>
+          </a:custGeom>
+          <a:solidFill>
+            <a:srgbClr val="006FC0"/>
+          </a:solidFill>
+        </p:spPr>
+        <p:txBody>
+          <a:bodyPr wrap="square" lIns="0" tIns="0" rIns="0" bIns="0" rtlCol="0"/>
+          <a:lstStyle/>
+          <a:p>
+            <a:endParaRPr/>
           </a:p>
         </p:txBody>
       </p:sp>
@@ -22764,7 +23037,7 @@
             <a:avLst/>
           </a:prstGeom>
           <a:blipFill>
-            <a:blip r:embed="rId2" cstate="print"/>
+            <a:blip r:embed="rId3" cstate="print"/>
             <a:stretch>
               <a:fillRect/>
             </a:stretch>
@@ -23783,11 +24056,11 @@
               <a:t>(</a:t>
             </a:r>
             <a:r>
-              <a:rPr lang="zh-CN" altLang="en-US" b="1" dirty="0">
-                <a:latin typeface="Heiti SC"/>
-                <a:cs typeface="Heiti SC"/>
-              </a:rPr>
-              <a:t>）</a:t>
+              <a:rPr lang="en-US" altLang="zh-CN" b="1" spc="114" dirty="0">
+                <a:latin typeface="Arial"/>
+                <a:cs typeface="Arial"/>
+              </a:rPr>
+              <a:t>)</a:t>
             </a:r>
             <a:r>
               <a:rPr lang="zh-CN" altLang="en-US" b="1" spc="-10" dirty="0">

--- a/3.基本数据类型/3.基本数据类型.pptx
+++ b/3.基本数据类型/3.基本数据类型.pptx
@@ -250,7 +250,7 @@
           <a:p>
             <a:fld id="{5DFB9D2E-974D-8045-B328-192FF5B07E96}" type="datetimeFigureOut">
               <a:rPr kumimoji="1" lang="zh-CN" altLang="en-US" smtClean="0"/>
-              <a:t>2020/10/13</a:t>
+              <a:t>2020/10/20</a:t>
             </a:fld>
             <a:endParaRPr kumimoji="1" lang="zh-CN" altLang="en-US"/>
           </a:p>
@@ -3260,7 +3260,7 @@
           <a:p>
             <a:fld id="{1D8BD707-D9CF-40AE-B4C6-C98DA3205C09}" type="datetimeFigureOut">
               <a:rPr lang="en-US"/>
-              <a:t>10/13/20</a:t>
+              <a:t>10/20/2020</a:t>
             </a:fld>
             <a:endParaRPr lang="en-US"/>
           </a:p>
@@ -3435,7 +3435,7 @@
           <a:p>
             <a:fld id="{1D8BD707-D9CF-40AE-B4C6-C98DA3205C09}" type="datetimeFigureOut">
               <a:rPr lang="en-US"/>
-              <a:t>10/13/20</a:t>
+              <a:t>10/20/2020</a:t>
             </a:fld>
             <a:endParaRPr lang="en-US"/>
           </a:p>
@@ -4502,7 +4502,7 @@
           <a:p>
             <a:fld id="{1D8BD707-D9CF-40AE-B4C6-C98DA3205C09}" type="datetimeFigureOut">
               <a:rPr lang="en-US"/>
-              <a:t>10/13/20</a:t>
+              <a:t>10/20/2020</a:t>
             </a:fld>
             <a:endParaRPr lang="en-US"/>
           </a:p>
@@ -4650,7 +4650,7 @@
           <a:p>
             <a:fld id="{1D8BD707-D9CF-40AE-B4C6-C98DA3205C09}" type="datetimeFigureOut">
               <a:rPr lang="en-US"/>
-              <a:t>10/13/20</a:t>
+              <a:t>10/20/2020</a:t>
             </a:fld>
             <a:endParaRPr lang="en-US"/>
           </a:p>
@@ -4769,7 +4769,7 @@
           <a:p>
             <a:fld id="{1D8BD707-D9CF-40AE-B4C6-C98DA3205C09}" type="datetimeFigureOut">
               <a:rPr lang="en-US"/>
-              <a:t>10/13/20</a:t>
+              <a:t>10/20/2020</a:t>
             </a:fld>
             <a:endParaRPr lang="en-US"/>
           </a:p>
@@ -5042,7 +5042,7 @@
           <a:p>
             <a:fld id="{1D8BD707-D9CF-40AE-B4C6-C98DA3205C09}" type="datetimeFigureOut">
               <a:rPr lang="en-US"/>
-              <a:t>10/13/20</a:t>
+              <a:t>10/20/2020</a:t>
             </a:fld>
             <a:endParaRPr lang="en-US"/>
           </a:p>
@@ -17143,7 +17143,7 @@
         <p:spPr>
           <a:xfrm>
             <a:off x="1851120" y="1416439"/>
-            <a:ext cx="5612130" cy="1102360"/>
+            <a:ext cx="6302280" cy="1177245"/>
           </a:xfrm>
           <a:prstGeom prst="rect">
             <a:avLst/>
@@ -17170,7 +17170,7 @@
               </a:rPr>
               <a:t>槽内部对格式化的配置方式</a:t>
             </a:r>
-            <a:endParaRPr sz="2400">
+            <a:endParaRPr sz="2400" dirty="0">
               <a:latin typeface="Heiti SC"/>
               <a:cs typeface="Heiti SC"/>
             </a:endParaRPr>
@@ -17184,7 +17184,7 @@
                 <a:spcPts val="2"/>
               </a:spcBef>
             </a:pPr>
-            <a:endParaRPr sz="2450">
+            <a:endParaRPr sz="2450" dirty="0">
               <a:latin typeface="Times New Roman"/>
               <a:cs typeface="Times New Roman"/>
             </a:endParaRPr>
@@ -17279,7 +17279,7 @@
               </a:rPr>
               <a:t>}</a:t>
             </a:r>
-            <a:endParaRPr sz="2800">
+            <a:endParaRPr sz="2800" dirty="0">
               <a:latin typeface="Arial"/>
               <a:cs typeface="Arial"/>
             </a:endParaRPr>
@@ -18954,7 +18954,7 @@
         <p:spPr>
           <a:xfrm>
             <a:off x="5245191" y="2998886"/>
-            <a:ext cx="498475" cy="267970"/>
+            <a:ext cx="753178" cy="276999"/>
           </a:xfrm>
           <a:prstGeom prst="rect">
             <a:avLst/>
@@ -19001,7 +19001,7 @@
               </a:rPr>
               <a:t>&gt;</a:t>
             </a:r>
-            <a:endParaRPr sz="1800">
+            <a:endParaRPr sz="1800" dirty="0">
               <a:latin typeface="Arial"/>
               <a:cs typeface="Arial"/>
             </a:endParaRPr>
@@ -20391,7 +20391,7 @@
         <p:spPr>
           <a:xfrm>
             <a:off x="5245191" y="1735632"/>
-            <a:ext cx="498475" cy="267970"/>
+            <a:ext cx="680120" cy="276999"/>
           </a:xfrm>
           <a:prstGeom prst="rect">
             <a:avLst/>
@@ -20438,7 +20438,7 @@
               </a:rPr>
               <a:t>&gt;</a:t>
             </a:r>
-            <a:endParaRPr sz="1800">
+            <a:endParaRPr sz="1800" dirty="0">
               <a:latin typeface="Arial"/>
               <a:cs typeface="Arial"/>
             </a:endParaRPr>
